--- a/객체탐지.pptx
+++ b/객체탐지.pptx
@@ -9,14 +9,17 @@
     <p:sldId id="257" r:id="rId3"/>
     <p:sldId id="258" r:id="rId4"/>
     <p:sldId id="259" r:id="rId5"/>
-    <p:sldId id="261" r:id="rId6"/>
-    <p:sldId id="262" r:id="rId7"/>
-    <p:sldId id="264" r:id="rId8"/>
-    <p:sldId id="266" r:id="rId9"/>
-    <p:sldId id="267" r:id="rId10"/>
-    <p:sldId id="268" r:id="rId11"/>
-    <p:sldId id="269" r:id="rId12"/>
-    <p:sldId id="270" r:id="rId13"/>
+    <p:sldId id="260" r:id="rId6"/>
+    <p:sldId id="261" r:id="rId7"/>
+    <p:sldId id="262" r:id="rId8"/>
+    <p:sldId id="263" r:id="rId9"/>
+    <p:sldId id="264" r:id="rId10"/>
+    <p:sldId id="265" r:id="rId11"/>
+    <p:sldId id="266" r:id="rId12"/>
+    <p:sldId id="267" r:id="rId13"/>
+    <p:sldId id="268" r:id="rId14"/>
+    <p:sldId id="269" r:id="rId15"/>
+    <p:sldId id="270" r:id="rId16"/>
   </p:sldIdLst>
   <p:sldSz cx="12192000" cy="6858000"/>
   <p:notesSz cx="6858000" cy="9144000"/>
@@ -3068,6 +3071,426 @@
           <a:lstStyle/>
           <a:p>
             <a:r>
+              <a:rPr lang="ko-KR" altLang="en-US" dirty="0"/>
+              <a:t>프로젝트 </a:t>
+            </a:r>
+            <a:r>
+              <a:rPr lang="en-US" altLang="ko-KR" dirty="0" smtClean="0"/>
+              <a:t>training </a:t>
+            </a:r>
+            <a:r>
+              <a:rPr lang="ko-KR" altLang="en-US" dirty="0" smtClean="0"/>
+              <a:t>실행 </a:t>
+            </a:r>
+            <a:r>
+              <a:rPr lang="en-US" altLang="ko-KR" dirty="0"/>
+              <a:t>(</a:t>
+            </a:r>
+            <a:r>
+              <a:rPr lang="en-US" altLang="ko-KR" dirty="0" err="1"/>
+              <a:t>cpu</a:t>
+            </a:r>
+            <a:r>
+              <a:rPr lang="en-US" altLang="ko-KR" dirty="0"/>
+              <a:t>) </a:t>
+            </a:r>
+            <a:r>
+              <a:rPr lang="en-US" altLang="ko-KR" dirty="0" smtClean="0"/>
+              <a:t>-2</a:t>
+            </a:r>
+            <a:endParaRPr lang="ko-KR" altLang="en-US" dirty="0"/>
+          </a:p>
+        </p:txBody>
+      </p:sp>
+      <p:sp>
+        <p:nvSpPr>
+          <p:cNvPr id="3" name="내용 개체 틀 2"/>
+          <p:cNvSpPr>
+            <a:spLocks noGrp="1"/>
+          </p:cNvSpPr>
+          <p:nvPr>
+            <p:ph idx="1"/>
+          </p:nvPr>
+        </p:nvSpPr>
+        <p:spPr/>
+        <p:txBody>
+          <a:bodyPr/>
+          <a:lstStyle/>
+          <a:p>
+            <a:r>
+              <a:rPr lang="en-US" altLang="ko-KR" dirty="0" smtClean="0"/>
+              <a:t> exec_for_cpu.bat </a:t>
+            </a:r>
+            <a:r>
+              <a:rPr lang="ko-KR" altLang="en-US" dirty="0" smtClean="0"/>
+              <a:t>을 입력해준다</a:t>
+            </a:r>
+            <a:r>
+              <a:rPr lang="en-US" altLang="ko-KR" dirty="0" smtClean="0"/>
+              <a:t>.</a:t>
+            </a:r>
+            <a:endParaRPr lang="ko-KR" altLang="en-US" dirty="0"/>
+          </a:p>
+        </p:txBody>
+      </p:sp>
+      <p:pic>
+        <p:nvPicPr>
+          <p:cNvPr id="4" name="그림 3"/>
+          <p:cNvPicPr>
+            <a:picLocks noChangeAspect="1"/>
+          </p:cNvPicPr>
+          <p:nvPr/>
+        </p:nvPicPr>
+        <p:blipFill>
+          <a:blip r:embed="rId2"/>
+          <a:stretch>
+            <a:fillRect/>
+          </a:stretch>
+        </p:blipFill>
+        <p:spPr>
+          <a:xfrm>
+            <a:off x="2768252" y="2273346"/>
+            <a:ext cx="7464142" cy="3903617"/>
+          </a:xfrm>
+          <a:prstGeom prst="rect">
+            <a:avLst/>
+          </a:prstGeom>
+        </p:spPr>
+      </p:pic>
+    </p:spTree>
+    <p:extLst>
+      <p:ext uri="{BB962C8B-B14F-4D97-AF65-F5344CB8AC3E}">
+        <p14:creationId xmlns:p14="http://schemas.microsoft.com/office/powerpoint/2010/main" val="1011101199"/>
+      </p:ext>
+    </p:extLst>
+  </p:cSld>
+  <p:clrMapOvr>
+    <a:masterClrMapping/>
+  </p:clrMapOvr>
+</p:sld>
+</file>
+
+<file path=ppt/slides/slide11.xml><?xml version="1.0" encoding="utf-8"?>
+<p:sld xmlns:a="http://schemas.openxmlformats.org/drawingml/2006/main" xmlns:r="http://schemas.openxmlformats.org/officeDocument/2006/relationships" xmlns:p="http://schemas.openxmlformats.org/presentationml/2006/main">
+  <p:cSld>
+    <p:spTree>
+      <p:nvGrpSpPr>
+        <p:cNvPr id="1" name=""/>
+        <p:cNvGrpSpPr/>
+        <p:nvPr/>
+      </p:nvGrpSpPr>
+      <p:grpSpPr>
+        <a:xfrm>
+          <a:off x="0" y="0"/>
+          <a:ext cx="0" cy="0"/>
+          <a:chOff x="0" y="0"/>
+          <a:chExt cx="0" cy="0"/>
+        </a:xfrm>
+      </p:grpSpPr>
+      <p:sp>
+        <p:nvSpPr>
+          <p:cNvPr id="2" name="제목 1"/>
+          <p:cNvSpPr>
+            <a:spLocks noGrp="1"/>
+          </p:cNvSpPr>
+          <p:nvPr>
+            <p:ph type="title"/>
+          </p:nvPr>
+        </p:nvSpPr>
+        <p:spPr/>
+        <p:txBody>
+          <a:bodyPr/>
+          <a:lstStyle/>
+          <a:p>
+            <a:r>
+              <a:rPr lang="en-US" altLang="ko-KR" dirty="0" smtClean="0"/>
+              <a:t>Training	</a:t>
+            </a:r>
+            <a:endParaRPr lang="ko-KR" altLang="en-US" dirty="0"/>
+          </a:p>
+        </p:txBody>
+      </p:sp>
+      <p:sp>
+        <p:nvSpPr>
+          <p:cNvPr id="5" name="내용 개체 틀 4"/>
+          <p:cNvSpPr>
+            <a:spLocks noGrp="1"/>
+          </p:cNvSpPr>
+          <p:nvPr>
+            <p:ph idx="1"/>
+          </p:nvPr>
+        </p:nvSpPr>
+        <p:spPr/>
+        <p:txBody>
+          <a:bodyPr/>
+          <a:lstStyle/>
+          <a:p>
+            <a:r>
+              <a:rPr lang="ko-KR" altLang="en-US" dirty="0" smtClean="0"/>
+              <a:t>학습은 대략 아래와 같이 진행된다</a:t>
+            </a:r>
+            <a:r>
+              <a:rPr lang="en-US" altLang="ko-KR" dirty="0" smtClean="0"/>
+              <a:t>.</a:t>
+            </a:r>
+            <a:endParaRPr lang="ko-KR" altLang="en-US" dirty="0"/>
+          </a:p>
+        </p:txBody>
+      </p:sp>
+      <p:pic>
+        <p:nvPicPr>
+          <p:cNvPr id="6" name="그림 5"/>
+          <p:cNvPicPr>
+            <a:picLocks noChangeAspect="1"/>
+          </p:cNvPicPr>
+          <p:nvPr/>
+        </p:nvPicPr>
+        <p:blipFill>
+          <a:blip r:embed="rId2"/>
+          <a:stretch>
+            <a:fillRect/>
+          </a:stretch>
+        </p:blipFill>
+        <p:spPr>
+          <a:xfrm>
+            <a:off x="25083" y="3319397"/>
+            <a:ext cx="12166917" cy="3447768"/>
+          </a:xfrm>
+          <a:prstGeom prst="rect">
+            <a:avLst/>
+          </a:prstGeom>
+        </p:spPr>
+      </p:pic>
+    </p:spTree>
+    <p:extLst>
+      <p:ext uri="{BB962C8B-B14F-4D97-AF65-F5344CB8AC3E}">
+        <p14:creationId xmlns:p14="http://schemas.microsoft.com/office/powerpoint/2010/main" val="923099261"/>
+      </p:ext>
+    </p:extLst>
+  </p:cSld>
+  <p:clrMapOvr>
+    <a:masterClrMapping/>
+  </p:clrMapOvr>
+</p:sld>
+</file>
+
+<file path=ppt/slides/slide12.xml><?xml version="1.0" encoding="utf-8"?>
+<p:sld xmlns:a="http://schemas.openxmlformats.org/drawingml/2006/main" xmlns:r="http://schemas.openxmlformats.org/officeDocument/2006/relationships" xmlns:p="http://schemas.openxmlformats.org/presentationml/2006/main">
+  <p:cSld>
+    <p:spTree>
+      <p:nvGrpSpPr>
+        <p:cNvPr id="1" name=""/>
+        <p:cNvGrpSpPr/>
+        <p:nvPr/>
+      </p:nvGrpSpPr>
+      <p:grpSpPr>
+        <a:xfrm>
+          <a:off x="0" y="0"/>
+          <a:ext cx="0" cy="0"/>
+          <a:chOff x="0" y="0"/>
+          <a:chExt cx="0" cy="0"/>
+        </a:xfrm>
+      </p:grpSpPr>
+      <p:sp>
+        <p:nvSpPr>
+          <p:cNvPr id="2" name="제목 1"/>
+          <p:cNvSpPr>
+            <a:spLocks noGrp="1"/>
+          </p:cNvSpPr>
+          <p:nvPr>
+            <p:ph type="title"/>
+          </p:nvPr>
+        </p:nvSpPr>
+        <p:spPr/>
+        <p:txBody>
+          <a:bodyPr/>
+          <a:lstStyle/>
+          <a:p>
+            <a:r>
+              <a:rPr lang="en-US" altLang="ko-KR" dirty="0" smtClean="0"/>
+              <a:t>Predict-1</a:t>
+            </a:r>
+            <a:endParaRPr lang="ko-KR" altLang="en-US" dirty="0"/>
+          </a:p>
+        </p:txBody>
+      </p:sp>
+      <p:sp>
+        <p:nvSpPr>
+          <p:cNvPr id="3" name="내용 개체 틀 2"/>
+          <p:cNvSpPr>
+            <a:spLocks noGrp="1"/>
+          </p:cNvSpPr>
+          <p:nvPr>
+            <p:ph idx="1"/>
+          </p:nvPr>
+        </p:nvSpPr>
+        <p:spPr/>
+        <p:txBody>
+          <a:bodyPr/>
+          <a:lstStyle/>
+          <a:p>
+            <a:r>
+              <a:rPr lang="en-US" altLang="ko-KR" dirty="0" smtClean="0"/>
+              <a:t>30 epoch</a:t>
+            </a:r>
+            <a:r>
+              <a:rPr lang="ko-KR" altLang="en-US" dirty="0" smtClean="0"/>
+              <a:t>가 완료되면</a:t>
+            </a:r>
+            <a:r>
+              <a:rPr lang="en-US" altLang="ko-KR" dirty="0" smtClean="0"/>
+              <a:t>, finish </a:t>
+            </a:r>
+            <a:r>
+              <a:rPr lang="ko-KR" altLang="en-US" dirty="0" smtClean="0"/>
+              <a:t>라는 문구가 뜨는데</a:t>
+            </a:r>
+            <a:r>
+              <a:rPr lang="en-US" altLang="ko-KR" dirty="0" smtClean="0"/>
+              <a:t>, </a:t>
+            </a:r>
+            <a:r>
+              <a:rPr lang="ko-KR" altLang="en-US" dirty="0" smtClean="0"/>
+              <a:t>그렇다면</a:t>
+            </a:r>
+            <a:r>
+              <a:rPr lang="en-US" altLang="ko-KR" dirty="0"/>
+              <a:t> </a:t>
+            </a:r>
+            <a:r>
+              <a:rPr lang="ko-KR" altLang="en-US" dirty="0" smtClean="0"/>
+              <a:t>학습이 된</a:t>
+            </a:r>
+            <a:r>
+              <a:rPr lang="en-US" altLang="ko-KR" dirty="0" smtClean="0"/>
+              <a:t>, </a:t>
+            </a:r>
+            <a:r>
+              <a:rPr lang="ko-KR" altLang="en-US" dirty="0" smtClean="0"/>
+              <a:t>모델을 가지고 실제 이미지를 예측해 보아야 한다</a:t>
+            </a:r>
+            <a:r>
+              <a:rPr lang="en-US" altLang="ko-KR" dirty="0" smtClean="0"/>
+              <a:t>.</a:t>
+            </a:r>
+          </a:p>
+          <a:p>
+            <a:r>
+              <a:rPr lang="ko-KR" altLang="en-US" dirty="0" smtClean="0"/>
+              <a:t>학습이 완료되었다면</a:t>
+            </a:r>
+            <a:r>
+              <a:rPr lang="en-US" altLang="ko-KR" dirty="0" smtClean="0"/>
+              <a:t>, object-detection-master </a:t>
+            </a:r>
+            <a:r>
+              <a:rPr lang="ko-KR" altLang="en-US" dirty="0" smtClean="0"/>
+              <a:t>폴더 밑에 </a:t>
+            </a:r>
+            <a:r>
+              <a:rPr lang="en-US" altLang="ko-KR" dirty="0" smtClean="0"/>
+              <a:t>log </a:t>
+            </a:r>
+            <a:r>
+              <a:rPr lang="ko-KR" altLang="en-US" dirty="0" smtClean="0"/>
+              <a:t>폴더가 생성되는데</a:t>
+            </a:r>
+            <a:r>
+              <a:rPr lang="en-US" altLang="ko-KR" dirty="0" smtClean="0"/>
+              <a:t>, </a:t>
+            </a:r>
+            <a:r>
+              <a:rPr lang="ko-KR" altLang="en-US" dirty="0" smtClean="0"/>
+              <a:t>이 </a:t>
+            </a:r>
+            <a:r>
+              <a:rPr lang="en-US" altLang="ko-KR" dirty="0" smtClean="0"/>
+              <a:t>log</a:t>
+            </a:r>
+            <a:r>
+              <a:rPr lang="ko-KR" altLang="en-US" dirty="0" smtClean="0"/>
+              <a:t>의 밑 폴더의 이름을 복사한다</a:t>
+            </a:r>
+            <a:r>
+              <a:rPr lang="en-US" altLang="ko-KR" dirty="0" smtClean="0"/>
+              <a:t>.</a:t>
+            </a:r>
+          </a:p>
+          <a:p>
+            <a:endParaRPr lang="en-US" altLang="ko-KR" dirty="0" smtClean="0"/>
+          </a:p>
+        </p:txBody>
+      </p:sp>
+      <p:pic>
+        <p:nvPicPr>
+          <p:cNvPr id="6" name="그림 5"/>
+          <p:cNvPicPr>
+            <a:picLocks noChangeAspect="1"/>
+          </p:cNvPicPr>
+          <p:nvPr/>
+        </p:nvPicPr>
+        <p:blipFill>
+          <a:blip r:embed="rId2"/>
+          <a:stretch>
+            <a:fillRect/>
+          </a:stretch>
+        </p:blipFill>
+        <p:spPr>
+          <a:xfrm>
+            <a:off x="2904565" y="3654590"/>
+            <a:ext cx="6602393" cy="3119870"/>
+          </a:xfrm>
+          <a:prstGeom prst="rect">
+            <a:avLst/>
+          </a:prstGeom>
+        </p:spPr>
+      </p:pic>
+    </p:spTree>
+    <p:extLst>
+      <p:ext uri="{BB962C8B-B14F-4D97-AF65-F5344CB8AC3E}">
+        <p14:creationId xmlns:p14="http://schemas.microsoft.com/office/powerpoint/2010/main" val="1993789036"/>
+      </p:ext>
+    </p:extLst>
+  </p:cSld>
+  <p:clrMapOvr>
+    <a:masterClrMapping/>
+  </p:clrMapOvr>
+</p:sld>
+</file>
+
+<file path=ppt/slides/slide13.xml><?xml version="1.0" encoding="utf-8"?>
+<p:sld xmlns:a="http://schemas.openxmlformats.org/drawingml/2006/main" xmlns:r="http://schemas.openxmlformats.org/officeDocument/2006/relationships" xmlns:p="http://schemas.openxmlformats.org/presentationml/2006/main">
+  <p:cSld>
+    <p:spTree>
+      <p:nvGrpSpPr>
+        <p:cNvPr id="1" name=""/>
+        <p:cNvGrpSpPr/>
+        <p:nvPr/>
+      </p:nvGrpSpPr>
+      <p:grpSpPr>
+        <a:xfrm>
+          <a:off x="0" y="0"/>
+          <a:ext cx="0" cy="0"/>
+          <a:chOff x="0" y="0"/>
+          <a:chExt cx="0" cy="0"/>
+        </a:xfrm>
+      </p:grpSpPr>
+      <p:sp>
+        <p:nvSpPr>
+          <p:cNvPr id="2" name="제목 1"/>
+          <p:cNvSpPr>
+            <a:spLocks noGrp="1"/>
+          </p:cNvSpPr>
+          <p:nvPr>
+            <p:ph type="title"/>
+          </p:nvPr>
+        </p:nvSpPr>
+        <p:spPr/>
+        <p:txBody>
+          <a:bodyPr/>
+          <a:lstStyle/>
+          <a:p>
+            <a:r>
               <a:rPr lang="en-US" altLang="ko-KR" dirty="0" smtClean="0"/>
               <a:t>Predict-2</a:t>
             </a:r>
@@ -3185,7 +3608,7 @@
 </p:sld>
 </file>
 
-<file path=ppt/slides/slide11.xml><?xml version="1.0" encoding="utf-8"?>
+<file path=ppt/slides/slide14.xml><?xml version="1.0" encoding="utf-8"?>
 <p:sld xmlns:a="http://schemas.openxmlformats.org/drawingml/2006/main" xmlns:r="http://schemas.openxmlformats.org/officeDocument/2006/relationships" xmlns:p="http://schemas.openxmlformats.org/presentationml/2006/main">
   <p:cSld>
     <p:spTree>
@@ -3319,7 +3742,7 @@
 </p:sld>
 </file>
 
-<file path=ppt/slides/slide12.xml><?xml version="1.0" encoding="utf-8"?>
+<file path=ppt/slides/slide15.xml><?xml version="1.0" encoding="utf-8"?>
 <p:sld xmlns:a="http://schemas.openxmlformats.org/drawingml/2006/main" xmlns:r="http://schemas.openxmlformats.org/officeDocument/2006/relationships" xmlns:p="http://schemas.openxmlformats.org/presentationml/2006/main">
   <p:cSld>
     <p:spTree>
@@ -3880,27 +4303,7 @@
           <a:p>
             <a:r>
               <a:rPr lang="ko-KR" altLang="en-US" dirty="0" smtClean="0"/>
-              <a:t>프로젝트 </a:t>
-            </a:r>
-            <a:r>
-              <a:rPr lang="en-US" altLang="ko-KR" dirty="0"/>
-              <a:t>training</a:t>
-            </a:r>
-            <a:r>
-              <a:rPr lang="ko-KR" altLang="en-US" dirty="0" smtClean="0"/>
-              <a:t> 실행 </a:t>
-            </a:r>
-            <a:r>
-              <a:rPr lang="en-US" altLang="ko-KR" dirty="0" smtClean="0"/>
-              <a:t>(</a:t>
-            </a:r>
-            <a:r>
-              <a:rPr lang="en-US" altLang="ko-KR" dirty="0" err="1" smtClean="0"/>
-              <a:t>gpu</a:t>
-            </a:r>
-            <a:r>
-              <a:rPr lang="en-US" altLang="ko-KR" dirty="0" smtClean="0"/>
-              <a:t>) -1 </a:t>
+              <a:t>가중치 파일 다운로드</a:t>
             </a:r>
             <a:endParaRPr lang="ko-KR" altLang="en-US" dirty="0"/>
           </a:p>
@@ -3916,168 +4319,47 @@
             <p:ph idx="1"/>
           </p:nvPr>
         </p:nvSpPr>
-        <p:spPr>
-          <a:xfrm>
-            <a:off x="838200" y="1502797"/>
-            <a:ext cx="10515600" cy="4351338"/>
-          </a:xfrm>
-        </p:spPr>
-        <p:txBody>
-          <a:bodyPr/>
-          <a:lstStyle/>
-          <a:p>
-            <a:r>
-              <a:rPr lang="en-US" altLang="ko-KR" dirty="0">
-                <a:hlinkClick r:id="rId2"/>
-              </a:rPr>
-              <a:t>https://</a:t>
-            </a:r>
+        <p:spPr/>
+        <p:txBody>
+          <a:bodyPr/>
+          <a:lstStyle/>
+          <a:p>
             <a:r>
               <a:rPr lang="en-US" altLang="ko-KR" dirty="0" smtClean="0">
                 <a:hlinkClick r:id="rId2"/>
               </a:rPr>
-              <a:t>developer.nvidia.com/cuda-gpus</a:t>
+              <a:t>https://github.com/matterport/Mask_RCNN/releases/download/v2.0/mask_rcnn_coco.h5</a:t>
             </a:r>
             <a:endParaRPr lang="en-US" altLang="ko-KR" dirty="0" smtClean="0"/>
           </a:p>
           <a:p>
-            <a:r>
-              <a:rPr lang="ko-KR" altLang="en-US" dirty="0"/>
-              <a:t>시스템이 </a:t>
-            </a:r>
-            <a:r>
-              <a:rPr lang="en-US" altLang="ko-KR" dirty="0" err="1"/>
-              <a:t>gpu</a:t>
-            </a:r>
-            <a:r>
-              <a:rPr lang="en-US" altLang="ko-KR" dirty="0"/>
-              <a:t> </a:t>
-            </a:r>
-            <a:r>
-              <a:rPr lang="ko-KR" altLang="en-US" dirty="0"/>
-              <a:t>사용을 하는지 확인</a:t>
-            </a:r>
             <a:endParaRPr lang="en-US" altLang="ko-KR" dirty="0"/>
           </a:p>
           <a:p>
             <a:r>
               <a:rPr lang="ko-KR" altLang="en-US" dirty="0" smtClean="0"/>
-              <a:t>지원 되는 </a:t>
-            </a:r>
-            <a:r>
-              <a:rPr lang="en-US" altLang="ko-KR" dirty="0" err="1" smtClean="0"/>
-              <a:t>gpu</a:t>
-            </a:r>
-            <a:r>
-              <a:rPr lang="en-US" altLang="ko-KR" dirty="0" smtClean="0"/>
-              <a:t> (</a:t>
-            </a:r>
-            <a:r>
-              <a:rPr lang="ko-KR" altLang="en-US" dirty="0" err="1" smtClean="0"/>
-              <a:t>모바일류</a:t>
-            </a:r>
-            <a:r>
-              <a:rPr lang="ko-KR" altLang="en-US" dirty="0" smtClean="0"/>
-              <a:t> 제외</a:t>
-            </a:r>
-            <a:r>
-              <a:rPr lang="en-US" altLang="ko-KR" dirty="0" smtClean="0"/>
-              <a:t>) </a:t>
-            </a:r>
-            <a:r>
-              <a:rPr lang="ko-KR" altLang="en-US" dirty="0" smtClean="0"/>
-              <a:t>가 존재할 경우</a:t>
+              <a:t>위의 링크의 파일을 다운로드 하여 슬라이드</a:t>
+            </a:r>
+            <a:r>
+              <a:rPr lang="en-US" altLang="ko-KR" dirty="0" smtClean="0"/>
+              <a:t>4</a:t>
+            </a:r>
+            <a:r>
+              <a:rPr lang="ko-KR" altLang="en-US" dirty="0" smtClean="0"/>
+              <a:t>의 프로젝트 폴더 안에 넣어준다</a:t>
             </a:r>
             <a:r>
               <a:rPr lang="en-US" altLang="ko-KR" dirty="0" smtClean="0"/>
               <a:t>.</a:t>
             </a:r>
-          </a:p>
-          <a:p>
-            <a:r>
-              <a:rPr lang="ko-KR" altLang="en-US" dirty="0" smtClean="0"/>
-              <a:t>시작</a:t>
-            </a:r>
-            <a:r>
-              <a:rPr lang="en-US" altLang="ko-KR" dirty="0"/>
-              <a:t> </a:t>
-            </a:r>
-            <a:r>
-              <a:rPr lang="ko-KR" altLang="en-US" dirty="0" smtClean="0"/>
-              <a:t>에서 </a:t>
-            </a:r>
-            <a:r>
-              <a:rPr lang="ko-KR" altLang="en-US" dirty="0" err="1" smtClean="0"/>
-              <a:t>우클릭</a:t>
-            </a:r>
-            <a:r>
-              <a:rPr lang="ko-KR" altLang="en-US" dirty="0" smtClean="0"/>
-              <a:t> </a:t>
-            </a:r>
-            <a:r>
-              <a:rPr lang="en-US" altLang="ko-KR" dirty="0" smtClean="0"/>
-              <a:t>– </a:t>
-            </a:r>
-            <a:r>
-              <a:rPr lang="ko-KR" altLang="en-US" smtClean="0"/>
-              <a:t>장치 관리자</a:t>
-            </a:r>
             <a:endParaRPr lang="ko-KR" altLang="en-US" dirty="0"/>
           </a:p>
         </p:txBody>
       </p:sp>
-      <p:pic>
-        <p:nvPicPr>
-          <p:cNvPr id="5" name="그림 4"/>
-          <p:cNvPicPr>
-            <a:picLocks noChangeAspect="1"/>
-          </p:cNvPicPr>
-          <p:nvPr/>
-        </p:nvPicPr>
-        <p:blipFill>
-          <a:blip r:embed="rId3"/>
-          <a:stretch>
-            <a:fillRect/>
-          </a:stretch>
-        </p:blipFill>
-        <p:spPr>
-          <a:xfrm>
-            <a:off x="6492659" y="2923649"/>
-            <a:ext cx="5699341" cy="3870284"/>
-          </a:xfrm>
-          <a:prstGeom prst="rect">
-            <a:avLst/>
-          </a:prstGeom>
-        </p:spPr>
-      </p:pic>
-      <p:pic>
-        <p:nvPicPr>
-          <p:cNvPr id="6" name="그림 5"/>
-          <p:cNvPicPr>
-            <a:picLocks noChangeAspect="1"/>
-          </p:cNvPicPr>
-          <p:nvPr/>
-        </p:nvPicPr>
-        <p:blipFill>
-          <a:blip r:embed="rId4"/>
-          <a:stretch>
-            <a:fillRect/>
-          </a:stretch>
-        </p:blipFill>
-        <p:spPr>
-          <a:xfrm>
-            <a:off x="0" y="3757072"/>
-            <a:ext cx="5484852" cy="3100928"/>
-          </a:xfrm>
-          <a:prstGeom prst="rect">
-            <a:avLst/>
-          </a:prstGeom>
-        </p:spPr>
-      </p:pic>
     </p:spTree>
     <p:extLst>
       <p:ext uri="{BB962C8B-B14F-4D97-AF65-F5344CB8AC3E}">
-        <p14:creationId xmlns:p14="http://schemas.microsoft.com/office/powerpoint/2010/main" val="4147807212"/>
+        <p14:creationId xmlns:p14="http://schemas.microsoft.com/office/powerpoint/2010/main" val="1254756081"/>
       </p:ext>
     </p:extLst>
   </p:cSld>
@@ -4129,15 +4411,62 @@
             </a:r>
             <a:r>
               <a:rPr lang="ko-KR" altLang="en-US" dirty="0" smtClean="0"/>
-              <a:t> </a:t>
-            </a:r>
+              <a:t> 실행 </a:t>
+            </a:r>
+            <a:r>
+              <a:rPr lang="en-US" altLang="ko-KR" dirty="0" smtClean="0"/>
+              <a:t>(</a:t>
+            </a:r>
+            <a:r>
+              <a:rPr lang="en-US" altLang="ko-KR" dirty="0" err="1" smtClean="0"/>
+              <a:t>gpu</a:t>
+            </a:r>
+            <a:r>
+              <a:rPr lang="en-US" altLang="ko-KR" dirty="0" smtClean="0"/>
+              <a:t>) -1 </a:t>
+            </a:r>
+            <a:endParaRPr lang="ko-KR" altLang="en-US" dirty="0"/>
+          </a:p>
+        </p:txBody>
+      </p:sp>
+      <p:sp>
+        <p:nvSpPr>
+          <p:cNvPr id="3" name="내용 개체 틀 2"/>
+          <p:cNvSpPr>
+            <a:spLocks noGrp="1"/>
+          </p:cNvSpPr>
+          <p:nvPr>
+            <p:ph idx="1"/>
+          </p:nvPr>
+        </p:nvSpPr>
+        <p:spPr>
+          <a:xfrm>
+            <a:off x="838200" y="1502797"/>
+            <a:ext cx="10515600" cy="4351338"/>
+          </a:xfrm>
+        </p:spPr>
+        <p:txBody>
+          <a:bodyPr/>
+          <a:lstStyle/>
+          <a:p>
+            <a:r>
+              <a:rPr lang="en-US" altLang="ko-KR" dirty="0">
+                <a:hlinkClick r:id="rId2"/>
+              </a:rPr>
+              <a:t>https://</a:t>
+            </a:r>
+            <a:r>
+              <a:rPr lang="en-US" altLang="ko-KR" dirty="0" smtClean="0">
+                <a:hlinkClick r:id="rId2"/>
+              </a:rPr>
+              <a:t>developer.nvidia.com/cuda-gpus</a:t>
+            </a:r>
+            <a:endParaRPr lang="en-US" altLang="ko-KR" dirty="0" smtClean="0"/>
+          </a:p>
+          <a:p>
             <a:r>
               <a:rPr lang="ko-KR" altLang="en-US" dirty="0"/>
-              <a:t>실행 </a:t>
-            </a:r>
-            <a:r>
-              <a:rPr lang="en-US" altLang="ko-KR" dirty="0"/>
-              <a:t>(</a:t>
+              <a:t>시스템이 </a:t>
             </a:r>
             <a:r>
               <a:rPr lang="en-US" altLang="ko-KR" dirty="0" err="1"/>
@@ -4145,97 +4474,95 @@
             </a:r>
             <a:r>
               <a:rPr lang="en-US" altLang="ko-KR" dirty="0"/>
+              <a:t> </a:t>
+            </a:r>
+            <a:r>
+              <a:rPr lang="ko-KR" altLang="en-US" dirty="0"/>
+              <a:t>사용을 하는지 확인</a:t>
+            </a:r>
+            <a:endParaRPr lang="en-US" altLang="ko-KR" dirty="0"/>
+          </a:p>
+          <a:p>
+            <a:r>
+              <a:rPr lang="ko-KR" altLang="en-US" dirty="0" smtClean="0"/>
+              <a:t>지원 되는 </a:t>
+            </a:r>
+            <a:r>
+              <a:rPr lang="en-US" altLang="ko-KR" dirty="0" err="1" smtClean="0"/>
+              <a:t>gpu</a:t>
+            </a:r>
+            <a:r>
+              <a:rPr lang="en-US" altLang="ko-KR" dirty="0" smtClean="0"/>
+              <a:t> (</a:t>
+            </a:r>
+            <a:r>
+              <a:rPr lang="ko-KR" altLang="en-US" dirty="0" err="1" smtClean="0"/>
+              <a:t>모바일류</a:t>
+            </a:r>
+            <a:r>
+              <a:rPr lang="ko-KR" altLang="en-US" dirty="0" smtClean="0"/>
+              <a:t> 제외</a:t>
+            </a:r>
+            <a:r>
+              <a:rPr lang="en-US" altLang="ko-KR" dirty="0" smtClean="0"/>
               <a:t>) </a:t>
             </a:r>
             <a:r>
-              <a:rPr lang="en-US" altLang="ko-KR" dirty="0" smtClean="0"/>
-              <a:t>-</a:t>
-            </a:r>
-            <a:r>
-              <a:rPr lang="en-US" altLang="ko-KR" dirty="0"/>
-              <a:t>2</a:t>
-            </a:r>
-            <a:endParaRPr lang="ko-KR" altLang="en-US" dirty="0"/>
-          </a:p>
-        </p:txBody>
-      </p:sp>
-      <p:sp>
-        <p:nvSpPr>
-          <p:cNvPr id="3" name="내용 개체 틀 2"/>
-          <p:cNvSpPr>
-            <a:spLocks noGrp="1"/>
-          </p:cNvSpPr>
-          <p:nvPr>
-            <p:ph idx="1"/>
-          </p:nvPr>
-        </p:nvSpPr>
-        <p:spPr/>
-        <p:txBody>
-          <a:bodyPr/>
-          <a:lstStyle/>
-          <a:p>
-            <a:r>
-              <a:rPr lang="ko-KR" altLang="en-US" dirty="0" smtClean="0"/>
-              <a:t>슬라이드</a:t>
-            </a:r>
-            <a:r>
-              <a:rPr lang="en-US" altLang="ko-KR" dirty="0" smtClean="0"/>
-              <a:t>4</a:t>
-            </a:r>
-            <a:r>
-              <a:rPr lang="ko-KR" altLang="en-US" dirty="0" smtClean="0"/>
-              <a:t>의 프로젝트 폴더를 </a:t>
-            </a:r>
-            <a:r>
-              <a:rPr lang="ko-KR" altLang="en-US" dirty="0" err="1" smtClean="0"/>
-              <a:t>연뒤</a:t>
-            </a:r>
-            <a:r>
-              <a:rPr lang="ko-KR" altLang="en-US" dirty="0" smtClean="0"/>
-              <a:t> </a:t>
-            </a:r>
-            <a:r>
-              <a:rPr lang="en-US" altLang="ko-KR" dirty="0" smtClean="0"/>
-              <a:t>,</a:t>
-            </a:r>
-            <a:r>
-              <a:rPr lang="ko-KR" altLang="en-US" dirty="0" smtClean="0"/>
-              <a:t>폴더의 </a:t>
-            </a:r>
-            <a:r>
-              <a:rPr lang="en-US" altLang="ko-KR" dirty="0" smtClean="0"/>
-              <a:t>exec_for_gpu.bat</a:t>
-            </a:r>
-            <a:r>
-              <a:rPr lang="ko-KR" altLang="en-US" dirty="0" smtClean="0"/>
-              <a:t>을 실행하면 된다</a:t>
+              <a:rPr lang="ko-KR" altLang="en-US" dirty="0" smtClean="0"/>
+              <a:t>가 존재할 경우</a:t>
             </a:r>
             <a:r>
               <a:rPr lang="en-US" altLang="ko-KR" dirty="0" smtClean="0"/>
               <a:t>.</a:t>
             </a:r>
+          </a:p>
+          <a:p>
             <a:endParaRPr lang="ko-KR" altLang="en-US" dirty="0"/>
           </a:p>
         </p:txBody>
       </p:sp>
       <p:pic>
         <p:nvPicPr>
-          <p:cNvPr id="6" name="그림 5"/>
+          <p:cNvPr id="4" name="그림 3"/>
           <p:cNvPicPr>
             <a:picLocks noChangeAspect="1"/>
           </p:cNvPicPr>
           <p:nvPr/>
         </p:nvPicPr>
         <p:blipFill>
-          <a:blip r:embed="rId2"/>
+          <a:blip r:embed="rId3"/>
           <a:stretch>
             <a:fillRect/>
           </a:stretch>
         </p:blipFill>
         <p:spPr>
           <a:xfrm>
-            <a:off x="2859578" y="2729396"/>
-            <a:ext cx="6090631" cy="3895327"/>
+            <a:off x="6400798" y="2999852"/>
+            <a:ext cx="5265107" cy="3858147"/>
+          </a:xfrm>
+          <a:prstGeom prst="rect">
+            <a:avLst/>
+          </a:prstGeom>
+        </p:spPr>
+      </p:pic>
+      <p:pic>
+        <p:nvPicPr>
+          <p:cNvPr id="5" name="그림 4"/>
+          <p:cNvPicPr>
+            <a:picLocks noChangeAspect="1"/>
+          </p:cNvPicPr>
+          <p:nvPr/>
+        </p:nvPicPr>
+        <p:blipFill>
+          <a:blip r:embed="rId4"/>
+          <a:stretch>
+            <a:fillRect/>
+          </a:stretch>
+        </p:blipFill>
+        <p:spPr>
+          <a:xfrm>
+            <a:off x="526095" y="2987715"/>
+            <a:ext cx="5699341" cy="3870284"/>
           </a:xfrm>
           <a:prstGeom prst="rect">
             <a:avLst/>
@@ -4245,7 +4572,7 @@
     </p:spTree>
     <p:extLst>
       <p:ext uri="{BB962C8B-B14F-4D97-AF65-F5344CB8AC3E}">
-        <p14:creationId xmlns:p14="http://schemas.microsoft.com/office/powerpoint/2010/main" val="1991618285"/>
+        <p14:creationId xmlns:p14="http://schemas.microsoft.com/office/powerpoint/2010/main" val="4147807212"/>
       </p:ext>
     </p:extLst>
   </p:cSld>
@@ -4304,21 +4631,25 @@
               <a:t>실행 </a:t>
             </a:r>
             <a:r>
-              <a:rPr lang="en-US" altLang="ko-KR" dirty="0" smtClean="0"/>
+              <a:rPr lang="en-US" altLang="ko-KR" dirty="0"/>
               <a:t>(</a:t>
             </a:r>
             <a:r>
               <a:rPr lang="en-US" altLang="ko-KR" dirty="0" err="1"/>
-              <a:t>c</a:t>
-            </a:r>
-            <a:r>
-              <a:rPr lang="en-US" altLang="ko-KR" dirty="0" err="1" smtClean="0"/>
-              <a:t>pu</a:t>
+              <a:t>gpu</a:t>
             </a:r>
             <a:r>
               <a:rPr lang="en-US" altLang="ko-KR" dirty="0"/>
               <a:t>) </a:t>
             </a:r>
+            <a:r>
+              <a:rPr lang="en-US" altLang="ko-KR" dirty="0" smtClean="0"/>
+              <a:t>-</a:t>
+            </a:r>
+            <a:r>
+              <a:rPr lang="en-US" altLang="ko-KR" dirty="0"/>
+              <a:t>2</a:t>
+            </a:r>
             <a:endParaRPr lang="ko-KR" altLang="en-US" dirty="0"/>
           </a:p>
         </p:txBody>
@@ -4333,34 +4664,22 @@
             <p:ph idx="1"/>
           </p:nvPr>
         </p:nvSpPr>
-        <p:spPr>
-          <a:xfrm>
-            <a:off x="838200" y="1499948"/>
-            <a:ext cx="10515600" cy="4351338"/>
-          </a:xfrm>
-        </p:spPr>
-        <p:txBody>
-          <a:bodyPr/>
-          <a:lstStyle/>
-          <a:p>
-            <a:r>
-              <a:rPr lang="ko-KR" altLang="en-US" dirty="0" smtClean="0"/>
-              <a:t>지원되는 </a:t>
-            </a:r>
-            <a:r>
-              <a:rPr lang="en-US" altLang="ko-KR" dirty="0" err="1" smtClean="0"/>
-              <a:t>gpu</a:t>
-            </a:r>
-            <a:r>
-              <a:rPr lang="ko-KR" altLang="en-US" dirty="0" smtClean="0"/>
-              <a:t>가 없다면</a:t>
-            </a:r>
-            <a:endParaRPr lang="en-US" altLang="ko-KR" dirty="0" smtClean="0"/>
-          </a:p>
-          <a:p>
-            <a:r>
-              <a:rPr lang="ko-KR" altLang="en-US" dirty="0" smtClean="0"/>
-              <a:t>프로젝트 폴더를 </a:t>
+        <p:spPr/>
+        <p:txBody>
+          <a:bodyPr/>
+          <a:lstStyle/>
+          <a:p>
+            <a:r>
+              <a:rPr lang="ko-KR" altLang="en-US" dirty="0" smtClean="0"/>
+              <a:t>슬라이드</a:t>
+            </a:r>
+            <a:r>
+              <a:rPr lang="en-US" altLang="ko-KR" dirty="0" smtClean="0"/>
+              <a:t>4</a:t>
+            </a:r>
+            <a:r>
+              <a:rPr lang="ko-KR" altLang="en-US" dirty="0" smtClean="0"/>
+              <a:t>의 프로젝트 폴더를 </a:t>
             </a:r>
             <a:r>
               <a:rPr lang="ko-KR" altLang="en-US" dirty="0" err="1" smtClean="0"/>
@@ -4372,11 +4691,57 @@
             </a:r>
             <a:r>
               <a:rPr lang="en-US" altLang="ko-KR" dirty="0" smtClean="0"/>
-              <a:t>, exec_for_cpu.bat</a:t>
-            </a:r>
-            <a:r>
-              <a:rPr lang="ko-KR" altLang="en-US" dirty="0" smtClean="0"/>
-              <a:t>을 실행하면 된다</a:t>
+              <a:t>, </a:t>
+            </a:r>
+            <a:r>
+              <a:rPr lang="ko-KR" altLang="en-US" dirty="0" smtClean="0"/>
+              <a:t>폴더의 주소를 복사</a:t>
+            </a:r>
+            <a:r>
+              <a:rPr lang="en-US" altLang="ko-KR" dirty="0" smtClean="0"/>
+              <a:t>.</a:t>
+            </a:r>
+          </a:p>
+          <a:p>
+            <a:r>
+              <a:rPr lang="en-US" altLang="ko-KR" dirty="0" smtClean="0"/>
+              <a:t>Anaconda </a:t>
+            </a:r>
+            <a:r>
+              <a:rPr lang="en-US" altLang="ko-KR" dirty="0" smtClean="0"/>
+              <a:t>prompt </a:t>
+            </a:r>
+            <a:r>
+              <a:rPr lang="ko-KR" altLang="en-US" dirty="0" smtClean="0"/>
+              <a:t>프로그램의</a:t>
+            </a:r>
+            <a:r>
+              <a:rPr lang="en-US" altLang="ko-KR" dirty="0" smtClean="0"/>
+              <a:t> </a:t>
+            </a:r>
+            <a:r>
+              <a:rPr lang="ko-KR" altLang="en-US" dirty="0" err="1" smtClean="0"/>
+              <a:t>명령줄에</a:t>
+            </a:r>
+            <a:r>
+              <a:rPr lang="ko-KR" altLang="en-US" dirty="0" smtClean="0"/>
+              <a:t> </a:t>
+            </a:r>
+            <a:r>
+              <a:rPr lang="en-US" altLang="ko-KR" dirty="0" smtClean="0"/>
+              <a:t>“cd </a:t>
+            </a:r>
+            <a:r>
+              <a:rPr lang="ko-KR" altLang="en-US" dirty="0" smtClean="0"/>
+              <a:t>폴더의 주소</a:t>
+            </a:r>
+            <a:r>
+              <a:rPr lang="en-US" altLang="ko-KR" dirty="0" smtClean="0"/>
+              <a:t>”</a:t>
+            </a:r>
+            <a:r>
+              <a:rPr lang="ko-KR" altLang="en-US" dirty="0" smtClean="0"/>
+              <a:t> 를 입력해준다</a:t>
             </a:r>
             <a:r>
               <a:rPr lang="en-US" altLang="ko-KR" dirty="0" smtClean="0"/>
@@ -4388,7 +4753,7 @@
       </p:sp>
       <p:pic>
         <p:nvPicPr>
-          <p:cNvPr id="6" name="그림 5"/>
+          <p:cNvPr id="4" name="그림 3"/>
           <p:cNvPicPr>
             <a:picLocks noChangeAspect="1"/>
           </p:cNvPicPr>
@@ -4402,8 +4767,32 @@
         </p:blipFill>
         <p:spPr>
           <a:xfrm>
-            <a:off x="2892828" y="2628675"/>
-            <a:ext cx="6157133" cy="3937859"/>
+            <a:off x="576196" y="3318936"/>
+            <a:ext cx="4923773" cy="3539064"/>
+          </a:xfrm>
+          <a:prstGeom prst="rect">
+            <a:avLst/>
+          </a:prstGeom>
+        </p:spPr>
+      </p:pic>
+      <p:pic>
+        <p:nvPicPr>
+          <p:cNvPr id="5" name="그림 4"/>
+          <p:cNvPicPr>
+            <a:picLocks noChangeAspect="1"/>
+          </p:cNvPicPr>
+          <p:nvPr/>
+        </p:nvPicPr>
+        <p:blipFill>
+          <a:blip r:embed="rId3"/>
+          <a:stretch>
+            <a:fillRect/>
+          </a:stretch>
+        </p:blipFill>
+        <p:spPr>
+          <a:xfrm>
+            <a:off x="5862180" y="3426120"/>
+            <a:ext cx="6329819" cy="3303636"/>
           </a:xfrm>
           <a:prstGeom prst="rect">
             <a:avLst/>
@@ -4413,7 +4802,7 @@
     </p:spTree>
     <p:extLst>
       <p:ext uri="{BB962C8B-B14F-4D97-AF65-F5344CB8AC3E}">
-        <p14:creationId xmlns:p14="http://schemas.microsoft.com/office/powerpoint/2010/main" val="905552078"/>
+        <p14:creationId xmlns:p14="http://schemas.microsoft.com/office/powerpoint/2010/main" val="1991618285"/>
       </p:ext>
     </p:extLst>
   </p:cSld>
@@ -4456,8 +4845,32 @@
           <a:lstStyle/>
           <a:p>
             <a:r>
-              <a:rPr lang="en-US" altLang="ko-KR" dirty="0" smtClean="0"/>
-              <a:t>Training	</a:t>
+              <a:rPr lang="ko-KR" altLang="en-US" dirty="0" smtClean="0"/>
+              <a:t>프로젝트 </a:t>
+            </a:r>
+            <a:r>
+              <a:rPr lang="en-US" altLang="ko-KR" dirty="0"/>
+              <a:t>training</a:t>
+            </a:r>
+            <a:r>
+              <a:rPr lang="ko-KR" altLang="en-US" dirty="0" smtClean="0"/>
+              <a:t> </a:t>
+            </a:r>
+            <a:r>
+              <a:rPr lang="ko-KR" altLang="en-US" dirty="0"/>
+              <a:t>실행 </a:t>
+            </a:r>
+            <a:r>
+              <a:rPr lang="en-US" altLang="ko-KR" dirty="0"/>
+              <a:t>(</a:t>
+            </a:r>
+            <a:r>
+              <a:rPr lang="en-US" altLang="ko-KR" dirty="0" err="1"/>
+              <a:t>gpu</a:t>
+            </a:r>
+            <a:r>
+              <a:rPr lang="en-US" altLang="ko-KR" dirty="0"/>
+              <a:t>) -2</a:t>
             </a:r>
             <a:endParaRPr lang="ko-KR" altLang="en-US" dirty="0"/>
           </a:p>
@@ -4465,7 +4878,7 @@
       </p:sp>
       <p:sp>
         <p:nvSpPr>
-          <p:cNvPr id="5" name="내용 개체 틀 4"/>
+          <p:cNvPr id="3" name="내용 개체 틀 2"/>
           <p:cNvSpPr>
             <a:spLocks noGrp="1"/>
           </p:cNvSpPr>
@@ -4479,20 +4892,30 @@
           <a:lstStyle/>
           <a:p>
             <a:r>
-              <a:rPr lang="ko-KR" altLang="en-US" dirty="0" smtClean="0"/>
-              <a:t>학습은 대략 아래와 같이 진행된다</a:t>
+              <a:rPr lang="en-US" altLang="ko-KR" dirty="0"/>
+              <a:t> </a:t>
+            </a:r>
+            <a:r>
+              <a:rPr lang="en-US" altLang="ko-KR" dirty="0" smtClean="0"/>
+              <a:t>exec_for_gpu.bat</a:t>
+            </a:r>
+            <a:r>
+              <a:rPr lang="ko-KR" altLang="en-US" dirty="0" smtClean="0"/>
+              <a:t>을 입력해준다</a:t>
             </a:r>
             <a:r>
               <a:rPr lang="en-US" altLang="ko-KR" dirty="0" smtClean="0"/>
               <a:t>.</a:t>
             </a:r>
+          </a:p>
+          <a:p>
             <a:endParaRPr lang="ko-KR" altLang="en-US" dirty="0"/>
           </a:p>
         </p:txBody>
       </p:sp>
       <p:pic>
         <p:nvPicPr>
-          <p:cNvPr id="6" name="그림 5"/>
+          <p:cNvPr id="4" name="그림 3"/>
           <p:cNvPicPr>
             <a:picLocks noChangeAspect="1"/>
           </p:cNvPicPr>
@@ -4506,8 +4929,8 @@
         </p:blipFill>
         <p:spPr>
           <a:xfrm>
-            <a:off x="25083" y="3319397"/>
-            <a:ext cx="12166917" cy="3447768"/>
+            <a:off x="2279737" y="2302637"/>
+            <a:ext cx="8253282" cy="4316323"/>
           </a:xfrm>
           <a:prstGeom prst="rect">
             <a:avLst/>
@@ -4517,7 +4940,7 @@
     </p:spTree>
     <p:extLst>
       <p:ext uri="{BB962C8B-B14F-4D97-AF65-F5344CB8AC3E}">
-        <p14:creationId xmlns:p14="http://schemas.microsoft.com/office/powerpoint/2010/main" val="923099261"/>
+        <p14:creationId xmlns:p14="http://schemas.microsoft.com/office/powerpoint/2010/main" val="3342673746"/>
       </p:ext>
     </p:extLst>
   </p:cSld>
@@ -4560,8 +4983,40 @@
           <a:lstStyle/>
           <a:p>
             <a:r>
-              <a:rPr lang="en-US" altLang="ko-KR" dirty="0" smtClean="0"/>
-              <a:t>Predict-1</a:t>
+              <a:rPr lang="ko-KR" altLang="en-US" dirty="0" smtClean="0"/>
+              <a:t>프로젝트 </a:t>
+            </a:r>
+            <a:r>
+              <a:rPr lang="en-US" altLang="ko-KR" dirty="0"/>
+              <a:t>training</a:t>
+            </a:r>
+            <a:r>
+              <a:rPr lang="ko-KR" altLang="en-US" dirty="0" smtClean="0"/>
+              <a:t> </a:t>
+            </a:r>
+            <a:r>
+              <a:rPr lang="ko-KR" altLang="en-US" dirty="0"/>
+              <a:t>실행 </a:t>
+            </a:r>
+            <a:r>
+              <a:rPr lang="en-US" altLang="ko-KR" dirty="0" smtClean="0"/>
+              <a:t>(</a:t>
+            </a:r>
+            <a:r>
+              <a:rPr lang="en-US" altLang="ko-KR" dirty="0" err="1"/>
+              <a:t>c</a:t>
+            </a:r>
+            <a:r>
+              <a:rPr lang="en-US" altLang="ko-KR" dirty="0" err="1" smtClean="0"/>
+              <a:t>pu</a:t>
+            </a:r>
+            <a:r>
+              <a:rPr lang="en-US" altLang="ko-KR" dirty="0"/>
+              <a:t>) </a:t>
+            </a:r>
+            <a:r>
+              <a:rPr lang="en-US" altLang="ko-KR" dirty="0" smtClean="0"/>
+              <a:t>-1</a:t>
             </a:r>
             <a:endParaRPr lang="ko-KR" altLang="en-US" dirty="0"/>
           </a:p>
@@ -4577,26 +5032,42 @@
             <p:ph idx="1"/>
           </p:nvPr>
         </p:nvSpPr>
-        <p:spPr/>
-        <p:txBody>
-          <a:bodyPr/>
-          <a:lstStyle/>
-          <a:p>
-            <a:r>
-              <a:rPr lang="en-US" altLang="ko-KR" dirty="0" smtClean="0"/>
-              <a:t>30 epoch</a:t>
-            </a:r>
-            <a:r>
-              <a:rPr lang="ko-KR" altLang="en-US" dirty="0" smtClean="0"/>
-              <a:t>가 완료되면</a:t>
-            </a:r>
-            <a:r>
-              <a:rPr lang="en-US" altLang="ko-KR" dirty="0" smtClean="0"/>
-              <a:t>, finish </a:t>
-            </a:r>
-            <a:r>
-              <a:rPr lang="ko-KR" altLang="en-US" dirty="0" smtClean="0"/>
-              <a:t>라는 문구가 뜨는데</a:t>
+        <p:spPr>
+          <a:xfrm>
+            <a:off x="838200" y="1499948"/>
+            <a:ext cx="10515600" cy="4351338"/>
+          </a:xfrm>
+        </p:spPr>
+        <p:txBody>
+          <a:bodyPr/>
+          <a:lstStyle/>
+          <a:p>
+            <a:r>
+              <a:rPr lang="ko-KR" altLang="en-US" dirty="0" smtClean="0"/>
+              <a:t>지원되는 </a:t>
+            </a:r>
+            <a:r>
+              <a:rPr lang="en-US" altLang="ko-KR" dirty="0" err="1" smtClean="0"/>
+              <a:t>gpu</a:t>
+            </a:r>
+            <a:r>
+              <a:rPr lang="ko-KR" altLang="en-US" dirty="0" smtClean="0"/>
+              <a:t>가 없다면</a:t>
+            </a:r>
+            <a:endParaRPr lang="en-US" altLang="ko-KR" dirty="0" smtClean="0"/>
+          </a:p>
+          <a:p>
+            <a:r>
+              <a:rPr lang="ko-KR" altLang="en-US" dirty="0" smtClean="0"/>
+              <a:t>프로젝트 폴더를 </a:t>
+            </a:r>
+            <a:r>
+              <a:rPr lang="ko-KR" altLang="en-US" dirty="0" err="1" smtClean="0"/>
+              <a:t>연뒤</a:t>
+            </a:r>
+            <a:r>
+              <a:rPr lang="ko-KR" altLang="en-US" dirty="0" smtClean="0"/>
+              <a:t> </a:t>
             </a:r>
             <a:r>
               <a:rPr lang="en-US" altLang="ko-KR" dirty="0" smtClean="0"/>
@@ -4604,23 +5075,7 @@
             </a:r>
             <a:r>
               <a:rPr lang="ko-KR" altLang="en-US" dirty="0" smtClean="0"/>
-              <a:t>그렇다면</a:t>
-            </a:r>
-            <a:r>
-              <a:rPr lang="en-US" altLang="ko-KR" dirty="0"/>
-              <a:t> </a:t>
-            </a:r>
-            <a:r>
-              <a:rPr lang="ko-KR" altLang="en-US" dirty="0" smtClean="0"/>
-              <a:t>학습이 된</a:t>
-            </a:r>
-            <a:r>
-              <a:rPr lang="en-US" altLang="ko-KR" dirty="0" smtClean="0"/>
-              <a:t>, </a:t>
-            </a:r>
-            <a:r>
-              <a:rPr lang="ko-KR" altLang="en-US" dirty="0" smtClean="0"/>
-              <a:t>모델을 가지고 실제 이미지를 예측해 보아야 한다</a:t>
+              <a:t>폴더의 주소를 복사</a:t>
             </a:r>
             <a:r>
               <a:rPr lang="en-US" altLang="ko-KR" dirty="0" smtClean="0"/>
@@ -4629,54 +5084,40 @@
           </a:p>
           <a:p>
             <a:r>
-              <a:rPr lang="ko-KR" altLang="en-US" dirty="0" smtClean="0"/>
-              <a:t>학습이 완료되었다면</a:t>
-            </a:r>
-            <a:r>
-              <a:rPr lang="en-US" altLang="ko-KR" dirty="0" smtClean="0"/>
-              <a:t>, object-detection-master </a:t>
-            </a:r>
-            <a:r>
-              <a:rPr lang="ko-KR" altLang="en-US" dirty="0" smtClean="0"/>
-              <a:t>폴더 밑에 </a:t>
-            </a:r>
-            <a:r>
-              <a:rPr lang="en-US" altLang="ko-KR" dirty="0" smtClean="0"/>
-              <a:t>log </a:t>
-            </a:r>
-            <a:r>
-              <a:rPr lang="ko-KR" altLang="en-US" dirty="0" smtClean="0"/>
-              <a:t>폴더가 생성되는데</a:t>
-            </a:r>
-            <a:r>
-              <a:rPr lang="en-US" altLang="ko-KR" dirty="0" smtClean="0"/>
-              <a:t>, </a:t>
-            </a:r>
-            <a:r>
-              <a:rPr lang="ko-KR" altLang="en-US" dirty="0" smtClean="0"/>
-              <a:t>이 </a:t>
-            </a:r>
-            <a:r>
-              <a:rPr lang="en-US" altLang="ko-KR" dirty="0" smtClean="0"/>
-              <a:t>log</a:t>
-            </a:r>
-            <a:r>
-              <a:rPr lang="ko-KR" altLang="en-US" dirty="0" smtClean="0"/>
-              <a:t>의 밑 폴더의 이름을 복사한다</a:t>
+              <a:rPr lang="en-US" altLang="ko-KR" dirty="0" smtClean="0"/>
+              <a:t>Anaconda prompt </a:t>
+            </a:r>
+            <a:r>
+              <a:rPr lang="ko-KR" altLang="en-US" dirty="0" smtClean="0"/>
+              <a:t>에 </a:t>
+            </a:r>
+            <a:r>
+              <a:rPr lang="en-US" altLang="ko-KR" dirty="0" smtClean="0"/>
+              <a:t>“cd </a:t>
+            </a:r>
+            <a:r>
+              <a:rPr lang="ko-KR" altLang="en-US" dirty="0" smtClean="0"/>
+              <a:t>폴더의 주소</a:t>
+            </a:r>
+            <a:r>
+              <a:rPr lang="en-US" altLang="ko-KR" dirty="0" smtClean="0"/>
+              <a:t>”</a:t>
+            </a:r>
+            <a:r>
+              <a:rPr lang="ko-KR" altLang="en-US" dirty="0" smtClean="0"/>
+              <a:t> 를 입력해준다</a:t>
             </a:r>
             <a:r>
               <a:rPr lang="en-US" altLang="ko-KR" dirty="0" smtClean="0"/>
               <a:t>.</a:t>
             </a:r>
-          </a:p>
-          <a:p>
-            <a:endParaRPr lang="en-US" altLang="ko-KR" dirty="0" smtClean="0"/>
+            <a:endParaRPr lang="ko-KR" altLang="en-US" dirty="0"/>
           </a:p>
         </p:txBody>
       </p:sp>
       <p:pic>
         <p:nvPicPr>
-          <p:cNvPr id="6" name="그림 5"/>
+          <p:cNvPr id="4" name="그림 3"/>
           <p:cNvPicPr>
             <a:picLocks noChangeAspect="1"/>
           </p:cNvPicPr>
@@ -4690,8 +5131,32 @@
         </p:blipFill>
         <p:spPr>
           <a:xfrm>
-            <a:off x="2904565" y="3654590"/>
-            <a:ext cx="6602393" cy="3119870"/>
+            <a:off x="0" y="2904782"/>
+            <a:ext cx="5499970" cy="3953218"/>
+          </a:xfrm>
+          <a:prstGeom prst="rect">
+            <a:avLst/>
+          </a:prstGeom>
+        </p:spPr>
+      </p:pic>
+      <p:pic>
+        <p:nvPicPr>
+          <p:cNvPr id="5" name="그림 4"/>
+          <p:cNvPicPr>
+            <a:picLocks noChangeAspect="1"/>
+          </p:cNvPicPr>
+          <p:nvPr/>
+        </p:nvPicPr>
+        <p:blipFill>
+          <a:blip r:embed="rId3"/>
+          <a:stretch>
+            <a:fillRect/>
+          </a:stretch>
+        </p:blipFill>
+        <p:spPr>
+          <a:xfrm>
+            <a:off x="5499970" y="3237076"/>
+            <a:ext cx="6692030" cy="3492680"/>
           </a:xfrm>
           <a:prstGeom prst="rect">
             <a:avLst/>
@@ -4701,7 +5166,7 @@
     </p:spTree>
     <p:extLst>
       <p:ext uri="{BB962C8B-B14F-4D97-AF65-F5344CB8AC3E}">
-        <p14:creationId xmlns:p14="http://schemas.microsoft.com/office/powerpoint/2010/main" val="1993789036"/>
+        <p14:creationId xmlns:p14="http://schemas.microsoft.com/office/powerpoint/2010/main" val="905552078"/>
       </p:ext>
     </p:extLst>
   </p:cSld>

--- a/객체탐지.pptx
+++ b/객체탐지.pptx
@@ -12,14 +12,12 @@
     <p:sldId id="260" r:id="rId6"/>
     <p:sldId id="261" r:id="rId7"/>
     <p:sldId id="262" r:id="rId8"/>
-    <p:sldId id="263" r:id="rId9"/>
-    <p:sldId id="264" r:id="rId10"/>
-    <p:sldId id="265" r:id="rId11"/>
-    <p:sldId id="266" r:id="rId12"/>
-    <p:sldId id="267" r:id="rId13"/>
-    <p:sldId id="268" r:id="rId14"/>
-    <p:sldId id="269" r:id="rId15"/>
-    <p:sldId id="270" r:id="rId16"/>
+    <p:sldId id="264" r:id="rId9"/>
+    <p:sldId id="266" r:id="rId10"/>
+    <p:sldId id="267" r:id="rId11"/>
+    <p:sldId id="268" r:id="rId12"/>
+    <p:sldId id="269" r:id="rId13"/>
+    <p:sldId id="270" r:id="rId14"/>
   </p:sldIdLst>
   <p:sldSz cx="12192000" cy="6858000"/>
   <p:notesSz cx="6858000" cy="9144000"/>
@@ -257,7 +255,7 @@
           <a:p>
             <a:fld id="{AAF29699-989E-4DC1-A9DD-FD8A53C9F8D5}" type="datetimeFigureOut">
               <a:rPr lang="ko-KR" altLang="en-US" smtClean="0"/>
-              <a:t>2020-04-06</a:t>
+              <a:t>2020-04-07</a:t>
             </a:fld>
             <a:endParaRPr lang="ko-KR" altLang="en-US"/>
           </a:p>
@@ -427,7 +425,7 @@
           <a:p>
             <a:fld id="{AAF29699-989E-4DC1-A9DD-FD8A53C9F8D5}" type="datetimeFigureOut">
               <a:rPr lang="ko-KR" altLang="en-US" smtClean="0"/>
-              <a:t>2020-04-06</a:t>
+              <a:t>2020-04-07</a:t>
             </a:fld>
             <a:endParaRPr lang="ko-KR" altLang="en-US"/>
           </a:p>
@@ -607,7 +605,7 @@
           <a:p>
             <a:fld id="{AAF29699-989E-4DC1-A9DD-FD8A53C9F8D5}" type="datetimeFigureOut">
               <a:rPr lang="ko-KR" altLang="en-US" smtClean="0"/>
-              <a:t>2020-04-06</a:t>
+              <a:t>2020-04-07</a:t>
             </a:fld>
             <a:endParaRPr lang="ko-KR" altLang="en-US"/>
           </a:p>
@@ -777,7 +775,7 @@
           <a:p>
             <a:fld id="{AAF29699-989E-4DC1-A9DD-FD8A53C9F8D5}" type="datetimeFigureOut">
               <a:rPr lang="ko-KR" altLang="en-US" smtClean="0"/>
-              <a:t>2020-04-06</a:t>
+              <a:t>2020-04-07</a:t>
             </a:fld>
             <a:endParaRPr lang="ko-KR" altLang="en-US"/>
           </a:p>
@@ -1023,7 +1021,7 @@
           <a:p>
             <a:fld id="{AAF29699-989E-4DC1-A9DD-FD8A53C9F8D5}" type="datetimeFigureOut">
               <a:rPr lang="ko-KR" altLang="en-US" smtClean="0"/>
-              <a:t>2020-04-06</a:t>
+              <a:t>2020-04-07</a:t>
             </a:fld>
             <a:endParaRPr lang="ko-KR" altLang="en-US"/>
           </a:p>
@@ -1255,7 +1253,7 @@
           <a:p>
             <a:fld id="{AAF29699-989E-4DC1-A9DD-FD8A53C9F8D5}" type="datetimeFigureOut">
               <a:rPr lang="ko-KR" altLang="en-US" smtClean="0"/>
-              <a:t>2020-04-06</a:t>
+              <a:t>2020-04-07</a:t>
             </a:fld>
             <a:endParaRPr lang="ko-KR" altLang="en-US"/>
           </a:p>
@@ -1622,7 +1620,7 @@
           <a:p>
             <a:fld id="{AAF29699-989E-4DC1-A9DD-FD8A53C9F8D5}" type="datetimeFigureOut">
               <a:rPr lang="ko-KR" altLang="en-US" smtClean="0"/>
-              <a:t>2020-04-06</a:t>
+              <a:t>2020-04-07</a:t>
             </a:fld>
             <a:endParaRPr lang="ko-KR" altLang="en-US"/>
           </a:p>
@@ -1740,7 +1738,7 @@
           <a:p>
             <a:fld id="{AAF29699-989E-4DC1-A9DD-FD8A53C9F8D5}" type="datetimeFigureOut">
               <a:rPr lang="ko-KR" altLang="en-US" smtClean="0"/>
-              <a:t>2020-04-06</a:t>
+              <a:t>2020-04-07</a:t>
             </a:fld>
             <a:endParaRPr lang="ko-KR" altLang="en-US"/>
           </a:p>
@@ -1835,7 +1833,7 @@
           <a:p>
             <a:fld id="{AAF29699-989E-4DC1-A9DD-FD8A53C9F8D5}" type="datetimeFigureOut">
               <a:rPr lang="ko-KR" altLang="en-US" smtClean="0"/>
-              <a:t>2020-04-06</a:t>
+              <a:t>2020-04-07</a:t>
             </a:fld>
             <a:endParaRPr lang="ko-KR" altLang="en-US"/>
           </a:p>
@@ -2112,7 +2110,7 @@
           <a:p>
             <a:fld id="{AAF29699-989E-4DC1-A9DD-FD8A53C9F8D5}" type="datetimeFigureOut">
               <a:rPr lang="ko-KR" altLang="en-US" smtClean="0"/>
-              <a:t>2020-04-06</a:t>
+              <a:t>2020-04-07</a:t>
             </a:fld>
             <a:endParaRPr lang="ko-KR" altLang="en-US"/>
           </a:p>
@@ -2365,7 +2363,7 @@
           <a:p>
             <a:fld id="{AAF29699-989E-4DC1-A9DD-FD8A53C9F8D5}" type="datetimeFigureOut">
               <a:rPr lang="ko-KR" altLang="en-US" smtClean="0"/>
-              <a:t>2020-04-06</a:t>
+              <a:t>2020-04-07</a:t>
             </a:fld>
             <a:endParaRPr lang="ko-KR" altLang="en-US"/>
           </a:p>
@@ -2578,7 +2576,7 @@
           <a:p>
             <a:fld id="{AAF29699-989E-4DC1-A9DD-FD8A53C9F8D5}" type="datetimeFigureOut">
               <a:rPr lang="ko-KR" altLang="en-US" smtClean="0"/>
-              <a:t>2020-04-06</a:t>
+              <a:t>2020-04-07</a:t>
             </a:fld>
             <a:endParaRPr lang="ko-KR" altLang="en-US"/>
           </a:p>
@@ -3071,242 +3069,6 @@
           <a:lstStyle/>
           <a:p>
             <a:r>
-              <a:rPr lang="ko-KR" altLang="en-US" dirty="0"/>
-              <a:t>프로젝트 </a:t>
-            </a:r>
-            <a:r>
-              <a:rPr lang="en-US" altLang="ko-KR" dirty="0" smtClean="0"/>
-              <a:t>training </a:t>
-            </a:r>
-            <a:r>
-              <a:rPr lang="ko-KR" altLang="en-US" dirty="0" smtClean="0"/>
-              <a:t>실행 </a:t>
-            </a:r>
-            <a:r>
-              <a:rPr lang="en-US" altLang="ko-KR" dirty="0"/>
-              <a:t>(</a:t>
-            </a:r>
-            <a:r>
-              <a:rPr lang="en-US" altLang="ko-KR" dirty="0" err="1"/>
-              <a:t>cpu</a:t>
-            </a:r>
-            <a:r>
-              <a:rPr lang="en-US" altLang="ko-KR" dirty="0"/>
-              <a:t>) </a:t>
-            </a:r>
-            <a:r>
-              <a:rPr lang="en-US" altLang="ko-KR" dirty="0" smtClean="0"/>
-              <a:t>-2</a:t>
-            </a:r>
-            <a:endParaRPr lang="ko-KR" altLang="en-US" dirty="0"/>
-          </a:p>
-        </p:txBody>
-      </p:sp>
-      <p:sp>
-        <p:nvSpPr>
-          <p:cNvPr id="3" name="내용 개체 틀 2"/>
-          <p:cNvSpPr>
-            <a:spLocks noGrp="1"/>
-          </p:cNvSpPr>
-          <p:nvPr>
-            <p:ph idx="1"/>
-          </p:nvPr>
-        </p:nvSpPr>
-        <p:spPr/>
-        <p:txBody>
-          <a:bodyPr/>
-          <a:lstStyle/>
-          <a:p>
-            <a:r>
-              <a:rPr lang="en-US" altLang="ko-KR" dirty="0" smtClean="0"/>
-              <a:t> exec_for_cpu.bat </a:t>
-            </a:r>
-            <a:r>
-              <a:rPr lang="ko-KR" altLang="en-US" dirty="0" smtClean="0"/>
-              <a:t>을 입력해준다</a:t>
-            </a:r>
-            <a:r>
-              <a:rPr lang="en-US" altLang="ko-KR" dirty="0" smtClean="0"/>
-              <a:t>.</a:t>
-            </a:r>
-            <a:endParaRPr lang="ko-KR" altLang="en-US" dirty="0"/>
-          </a:p>
-        </p:txBody>
-      </p:sp>
-      <p:pic>
-        <p:nvPicPr>
-          <p:cNvPr id="4" name="그림 3"/>
-          <p:cNvPicPr>
-            <a:picLocks noChangeAspect="1"/>
-          </p:cNvPicPr>
-          <p:nvPr/>
-        </p:nvPicPr>
-        <p:blipFill>
-          <a:blip r:embed="rId2"/>
-          <a:stretch>
-            <a:fillRect/>
-          </a:stretch>
-        </p:blipFill>
-        <p:spPr>
-          <a:xfrm>
-            <a:off x="2768252" y="2273346"/>
-            <a:ext cx="7464142" cy="3903617"/>
-          </a:xfrm>
-          <a:prstGeom prst="rect">
-            <a:avLst/>
-          </a:prstGeom>
-        </p:spPr>
-      </p:pic>
-    </p:spTree>
-    <p:extLst>
-      <p:ext uri="{BB962C8B-B14F-4D97-AF65-F5344CB8AC3E}">
-        <p14:creationId xmlns:p14="http://schemas.microsoft.com/office/powerpoint/2010/main" val="1011101199"/>
-      </p:ext>
-    </p:extLst>
-  </p:cSld>
-  <p:clrMapOvr>
-    <a:masterClrMapping/>
-  </p:clrMapOvr>
-</p:sld>
-</file>
-
-<file path=ppt/slides/slide11.xml><?xml version="1.0" encoding="utf-8"?>
-<p:sld xmlns:a="http://schemas.openxmlformats.org/drawingml/2006/main" xmlns:r="http://schemas.openxmlformats.org/officeDocument/2006/relationships" xmlns:p="http://schemas.openxmlformats.org/presentationml/2006/main">
-  <p:cSld>
-    <p:spTree>
-      <p:nvGrpSpPr>
-        <p:cNvPr id="1" name=""/>
-        <p:cNvGrpSpPr/>
-        <p:nvPr/>
-      </p:nvGrpSpPr>
-      <p:grpSpPr>
-        <a:xfrm>
-          <a:off x="0" y="0"/>
-          <a:ext cx="0" cy="0"/>
-          <a:chOff x="0" y="0"/>
-          <a:chExt cx="0" cy="0"/>
-        </a:xfrm>
-      </p:grpSpPr>
-      <p:sp>
-        <p:nvSpPr>
-          <p:cNvPr id="2" name="제목 1"/>
-          <p:cNvSpPr>
-            <a:spLocks noGrp="1"/>
-          </p:cNvSpPr>
-          <p:nvPr>
-            <p:ph type="title"/>
-          </p:nvPr>
-        </p:nvSpPr>
-        <p:spPr/>
-        <p:txBody>
-          <a:bodyPr/>
-          <a:lstStyle/>
-          <a:p>
-            <a:r>
-              <a:rPr lang="en-US" altLang="ko-KR" dirty="0" smtClean="0"/>
-              <a:t>Training	</a:t>
-            </a:r>
-            <a:endParaRPr lang="ko-KR" altLang="en-US" dirty="0"/>
-          </a:p>
-        </p:txBody>
-      </p:sp>
-      <p:sp>
-        <p:nvSpPr>
-          <p:cNvPr id="5" name="내용 개체 틀 4"/>
-          <p:cNvSpPr>
-            <a:spLocks noGrp="1"/>
-          </p:cNvSpPr>
-          <p:nvPr>
-            <p:ph idx="1"/>
-          </p:nvPr>
-        </p:nvSpPr>
-        <p:spPr/>
-        <p:txBody>
-          <a:bodyPr/>
-          <a:lstStyle/>
-          <a:p>
-            <a:r>
-              <a:rPr lang="ko-KR" altLang="en-US" dirty="0" smtClean="0"/>
-              <a:t>학습은 대략 아래와 같이 진행된다</a:t>
-            </a:r>
-            <a:r>
-              <a:rPr lang="en-US" altLang="ko-KR" dirty="0" smtClean="0"/>
-              <a:t>.</a:t>
-            </a:r>
-            <a:endParaRPr lang="ko-KR" altLang="en-US" dirty="0"/>
-          </a:p>
-        </p:txBody>
-      </p:sp>
-      <p:pic>
-        <p:nvPicPr>
-          <p:cNvPr id="6" name="그림 5"/>
-          <p:cNvPicPr>
-            <a:picLocks noChangeAspect="1"/>
-          </p:cNvPicPr>
-          <p:nvPr/>
-        </p:nvPicPr>
-        <p:blipFill>
-          <a:blip r:embed="rId2"/>
-          <a:stretch>
-            <a:fillRect/>
-          </a:stretch>
-        </p:blipFill>
-        <p:spPr>
-          <a:xfrm>
-            <a:off x="25083" y="3319397"/>
-            <a:ext cx="12166917" cy="3447768"/>
-          </a:xfrm>
-          <a:prstGeom prst="rect">
-            <a:avLst/>
-          </a:prstGeom>
-        </p:spPr>
-      </p:pic>
-    </p:spTree>
-    <p:extLst>
-      <p:ext uri="{BB962C8B-B14F-4D97-AF65-F5344CB8AC3E}">
-        <p14:creationId xmlns:p14="http://schemas.microsoft.com/office/powerpoint/2010/main" val="923099261"/>
-      </p:ext>
-    </p:extLst>
-  </p:cSld>
-  <p:clrMapOvr>
-    <a:masterClrMapping/>
-  </p:clrMapOvr>
-</p:sld>
-</file>
-
-<file path=ppt/slides/slide12.xml><?xml version="1.0" encoding="utf-8"?>
-<p:sld xmlns:a="http://schemas.openxmlformats.org/drawingml/2006/main" xmlns:r="http://schemas.openxmlformats.org/officeDocument/2006/relationships" xmlns:p="http://schemas.openxmlformats.org/presentationml/2006/main">
-  <p:cSld>
-    <p:spTree>
-      <p:nvGrpSpPr>
-        <p:cNvPr id="1" name=""/>
-        <p:cNvGrpSpPr/>
-        <p:nvPr/>
-      </p:nvGrpSpPr>
-      <p:grpSpPr>
-        <a:xfrm>
-          <a:off x="0" y="0"/>
-          <a:ext cx="0" cy="0"/>
-          <a:chOff x="0" y="0"/>
-          <a:chExt cx="0" cy="0"/>
-        </a:xfrm>
-      </p:grpSpPr>
-      <p:sp>
-        <p:nvSpPr>
-          <p:cNvPr id="2" name="제목 1"/>
-          <p:cNvSpPr>
-            <a:spLocks noGrp="1"/>
-          </p:cNvSpPr>
-          <p:nvPr>
-            <p:ph type="title"/>
-          </p:nvPr>
-        </p:nvSpPr>
-        <p:spPr/>
-        <p:txBody>
-          <a:bodyPr/>
-          <a:lstStyle/>
-          <a:p>
-            <a:r>
               <a:rPr lang="en-US" altLang="ko-KR" dirty="0" smtClean="0"/>
               <a:t>Predict-1</a:t>
             </a:r>
@@ -3458,7 +3220,7 @@
 </p:sld>
 </file>
 
-<file path=ppt/slides/slide13.xml><?xml version="1.0" encoding="utf-8"?>
+<file path=ppt/slides/slide11.xml><?xml version="1.0" encoding="utf-8"?>
 <p:sld xmlns:a="http://schemas.openxmlformats.org/drawingml/2006/main" xmlns:r="http://schemas.openxmlformats.org/officeDocument/2006/relationships" xmlns:p="http://schemas.openxmlformats.org/presentationml/2006/main">
   <p:cSld>
     <p:spTree>
@@ -3608,7 +3370,7 @@
 </p:sld>
 </file>
 
-<file path=ppt/slides/slide14.xml><?xml version="1.0" encoding="utf-8"?>
+<file path=ppt/slides/slide12.xml><?xml version="1.0" encoding="utf-8"?>
 <p:sld xmlns:a="http://schemas.openxmlformats.org/drawingml/2006/main" xmlns:r="http://schemas.openxmlformats.org/officeDocument/2006/relationships" xmlns:p="http://schemas.openxmlformats.org/presentationml/2006/main">
   <p:cSld>
     <p:spTree>
@@ -3742,7 +3504,7 @@
 </p:sld>
 </file>
 
-<file path=ppt/slides/slide15.xml><?xml version="1.0" encoding="utf-8"?>
+<file path=ppt/slides/slide13.xml><?xml version="1.0" encoding="utf-8"?>
 <p:sld xmlns:a="http://schemas.openxmlformats.org/drawingml/2006/main" xmlns:r="http://schemas.openxmlformats.org/officeDocument/2006/relationships" xmlns:p="http://schemas.openxmlformats.org/presentationml/2006/main">
   <p:cSld>
     <p:spTree>
@@ -4244,15 +4006,7 @@
           <a:p>
             <a:r>
               <a:rPr lang="ko-KR" altLang="en-US" dirty="0" smtClean="0"/>
-              <a:t>위의 </a:t>
-            </a:r>
-            <a:r>
-              <a:rPr lang="ko-KR" altLang="en-US" dirty="0" smtClean="0"/>
-              <a:t>링크의 파일을 </a:t>
-            </a:r>
-            <a:r>
-              <a:rPr lang="ko-KR" altLang="en-US" dirty="0" smtClean="0"/>
-              <a:t>다운받아 적절한 위치에 압축을 풀어준다</a:t>
+              <a:t>위의 링크의 파일을 다운받아 적절한 위치에 압축을 풀어준다</a:t>
             </a:r>
             <a:r>
               <a:rPr lang="en-US" altLang="ko-KR" dirty="0" smtClean="0"/>
@@ -4346,19 +4100,7 @@
           <a:p>
             <a:r>
               <a:rPr lang="ko-KR" altLang="en-US" dirty="0" smtClean="0"/>
-              <a:t>위의 </a:t>
-            </a:r>
-            <a:r>
-              <a:rPr lang="ko-KR" altLang="en-US" dirty="0" smtClean="0"/>
-              <a:t>링크의 파일을 </a:t>
-            </a:r>
-            <a:r>
-              <a:rPr lang="ko-KR" altLang="en-US" dirty="0" smtClean="0"/>
-              <a:t>다운로드 하여 </a:t>
-            </a:r>
-            <a:r>
-              <a:rPr lang="ko-KR" altLang="en-US" dirty="0" smtClean="0"/>
-              <a:t>슬라이드</a:t>
+              <a:t>위의 링크의 파일을 다운로드 하여 슬라이드</a:t>
             </a:r>
             <a:r>
               <a:rPr lang="en-US" altLang="ko-KR" dirty="0" smtClean="0"/>
@@ -4699,11 +4441,7 @@
             </a:r>
             <a:r>
               <a:rPr lang="ko-KR" altLang="en-US" dirty="0" smtClean="0"/>
-              <a:t>의 프로젝트 </a:t>
-            </a:r>
-            <a:r>
-              <a:rPr lang="ko-KR" altLang="en-US" dirty="0" smtClean="0"/>
-              <a:t>폴더를 </a:t>
+              <a:t>의 프로젝트 폴더를 </a:t>
             </a:r>
             <a:r>
               <a:rPr lang="ko-KR" altLang="en-US" dirty="0" err="1" smtClean="0"/>
@@ -4715,69 +4453,31 @@
             </a:r>
             <a:r>
               <a:rPr lang="en-US" altLang="ko-KR" dirty="0" smtClean="0"/>
-              <a:t>, </a:t>
+              <a:t>,</a:t>
             </a:r>
             <a:r>
               <a:rPr lang="ko-KR" altLang="en-US" dirty="0" smtClean="0"/>
-              <a:t>폴더의 주소를 복사</a:t>
+              <a:t>폴더의 </a:t>
+            </a:r>
+            <a:r>
+              <a:rPr lang="en-US" altLang="ko-KR" dirty="0" smtClean="0"/>
+              <a:t>exec_for_gpu.bat</a:t>
+            </a:r>
+            <a:r>
+              <a:rPr lang="ko-KR" altLang="en-US" dirty="0" smtClean="0"/>
+              <a:t>을 실행하면 된다</a:t>
             </a:r>
             <a:r>
               <a:rPr lang="en-US" altLang="ko-KR" dirty="0" smtClean="0"/>
               <a:t>.</a:t>
             </a:r>
-          </a:p>
-          <a:p>
-            <a:r>
-              <a:rPr lang="en-US" altLang="ko-KR" dirty="0" smtClean="0"/>
-              <a:t>Anaconda prompt </a:t>
-            </a:r>
-            <a:r>
-              <a:rPr lang="ko-KR" altLang="en-US" dirty="0" err="1" smtClean="0"/>
-              <a:t>명령줄</a:t>
-            </a:r>
-            <a:r>
-              <a:rPr lang="ko-KR" altLang="en-US" dirty="0" err="1" smtClean="0"/>
-              <a:t>에</a:t>
-            </a:r>
-            <a:r>
-              <a:rPr lang="ko-KR" altLang="en-US" dirty="0" smtClean="0"/>
-              <a:t> </a:t>
-            </a:r>
-            <a:r>
-              <a:rPr lang="en-US" altLang="ko-KR" dirty="0" smtClean="0"/>
-              <a:t>“cd </a:t>
-            </a:r>
-            <a:r>
-              <a:rPr lang="ko-KR" altLang="en-US" dirty="0" smtClean="0"/>
-              <a:t>폴더의 </a:t>
-            </a:r>
-            <a:r>
-              <a:rPr lang="ko-KR" altLang="en-US" dirty="0" smtClean="0"/>
-              <a:t>주소</a:t>
-            </a:r>
-            <a:r>
-              <a:rPr lang="en-US" altLang="ko-KR" dirty="0" smtClean="0"/>
-              <a:t>”</a:t>
-            </a:r>
-            <a:r>
-              <a:rPr lang="ko-KR" altLang="en-US" dirty="0" smtClean="0"/>
-              <a:t> </a:t>
-            </a:r>
-            <a:r>
-              <a:rPr lang="ko-KR" altLang="en-US" dirty="0" smtClean="0"/>
-              <a:t>를 입력해준다</a:t>
-            </a:r>
-            <a:r>
-              <a:rPr lang="en-US" altLang="ko-KR" dirty="0" smtClean="0"/>
-              <a:t>.</a:t>
-            </a:r>
             <a:endParaRPr lang="ko-KR" altLang="en-US" dirty="0"/>
           </a:p>
         </p:txBody>
       </p:sp>
       <p:pic>
         <p:nvPicPr>
-          <p:cNvPr id="4" name="그림 3"/>
+          <p:cNvPr id="6" name="그림 5"/>
           <p:cNvPicPr>
             <a:picLocks noChangeAspect="1"/>
           </p:cNvPicPr>
@@ -4791,32 +4491,8 @@
         </p:blipFill>
         <p:spPr>
           <a:xfrm>
-            <a:off x="0" y="2904782"/>
-            <a:ext cx="5499970" cy="3953218"/>
-          </a:xfrm>
-          <a:prstGeom prst="rect">
-            <a:avLst/>
-          </a:prstGeom>
-        </p:spPr>
-      </p:pic>
-      <p:pic>
-        <p:nvPicPr>
-          <p:cNvPr id="5" name="그림 4"/>
-          <p:cNvPicPr>
-            <a:picLocks noChangeAspect="1"/>
-          </p:cNvPicPr>
-          <p:nvPr/>
-        </p:nvPicPr>
-        <p:blipFill>
-          <a:blip r:embed="rId3"/>
-          <a:stretch>
-            <a:fillRect/>
-          </a:stretch>
-        </p:blipFill>
-        <p:spPr>
-          <a:xfrm>
-            <a:off x="5499970" y="3237076"/>
-            <a:ext cx="6692030" cy="3492680"/>
+            <a:off x="2859578" y="2729396"/>
+            <a:ext cx="6090631" cy="3895327"/>
           </a:xfrm>
           <a:prstGeom prst="rect">
             <a:avLst/>
@@ -4885,61 +4561,95 @@
               <a:t>실행 </a:t>
             </a:r>
             <a:r>
+              <a:rPr lang="en-US" altLang="ko-KR" dirty="0" smtClean="0"/>
+              <a:t>(</a:t>
+            </a:r>
+            <a:r>
+              <a:rPr lang="en-US" altLang="ko-KR" dirty="0" err="1"/>
+              <a:t>c</a:t>
+            </a:r>
+            <a:r>
+              <a:rPr lang="en-US" altLang="ko-KR" dirty="0" err="1" smtClean="0"/>
+              <a:t>pu</a:t>
+            </a:r>
+            <a:r>
               <a:rPr lang="en-US" altLang="ko-KR" dirty="0"/>
-              <a:t>(</a:t>
-            </a:r>
-            <a:r>
-              <a:rPr lang="en-US" altLang="ko-KR" dirty="0" err="1"/>
+              <a:t>) </a:t>
+            </a:r>
+            <a:endParaRPr lang="ko-KR" altLang="en-US" dirty="0"/>
+          </a:p>
+        </p:txBody>
+      </p:sp>
+      <p:sp>
+        <p:nvSpPr>
+          <p:cNvPr id="3" name="내용 개체 틀 2"/>
+          <p:cNvSpPr>
+            <a:spLocks noGrp="1"/>
+          </p:cNvSpPr>
+          <p:nvPr>
+            <p:ph idx="1"/>
+          </p:nvPr>
+        </p:nvSpPr>
+        <p:spPr>
+          <a:xfrm>
+            <a:off x="838200" y="1499948"/>
+            <a:ext cx="10515600" cy="4351338"/>
+          </a:xfrm>
+        </p:spPr>
+        <p:txBody>
+          <a:bodyPr/>
+          <a:lstStyle/>
+          <a:p>
+            <a:r>
+              <a:rPr lang="ko-KR" altLang="en-US" dirty="0" smtClean="0"/>
+              <a:t>지원되는 </a:t>
+            </a:r>
+            <a:r>
+              <a:rPr lang="en-US" altLang="ko-KR" dirty="0" err="1" smtClean="0"/>
               <a:t>gpu</a:t>
             </a:r>
             <a:r>
-              <a:rPr lang="en-US" altLang="ko-KR" dirty="0"/>
-              <a:t>) -2</a:t>
-            </a:r>
-            <a:endParaRPr lang="ko-KR" altLang="en-US" dirty="0"/>
-          </a:p>
-        </p:txBody>
-      </p:sp>
-      <p:sp>
-        <p:nvSpPr>
-          <p:cNvPr id="3" name="내용 개체 틀 2"/>
-          <p:cNvSpPr>
-            <a:spLocks noGrp="1"/>
-          </p:cNvSpPr>
-          <p:nvPr>
-            <p:ph idx="1"/>
-          </p:nvPr>
-        </p:nvSpPr>
-        <p:spPr/>
-        <p:txBody>
-          <a:bodyPr/>
-          <a:lstStyle/>
-          <a:p>
-            <a:r>
-              <a:rPr lang="en-US" altLang="ko-KR" dirty="0"/>
+              <a:rPr lang="ko-KR" altLang="en-US" dirty="0" smtClean="0"/>
+              <a:t>가 없다면</a:t>
+            </a:r>
+            <a:endParaRPr lang="en-US" altLang="ko-KR" dirty="0" smtClean="0"/>
+          </a:p>
+          <a:p>
+            <a:r>
+              <a:rPr lang="ko-KR" altLang="en-US" dirty="0" smtClean="0"/>
+              <a:t>프로젝트 폴더를 </a:t>
+            </a:r>
+            <a:r>
+              <a:rPr lang="ko-KR" altLang="en-US" dirty="0" err="1" smtClean="0"/>
+              <a:t>연뒤</a:t>
+            </a:r>
+            <a:r>
+              <a:rPr lang="ko-KR" altLang="en-US" dirty="0" smtClean="0"/>
               <a:t> </a:t>
             </a:r>
             <a:r>
               <a:rPr lang="en-US" altLang="ko-KR" dirty="0" smtClean="0"/>
-              <a:t>exec_for_gpu.bat</a:t>
+              <a:t>, </a:t>
+            </a:r>
+            <a:r>
+              <a:rPr lang="en-US" altLang="ko-KR" dirty="0" smtClean="0"/>
+              <a:t>exec_for_cpu.bat</a:t>
             </a:r>
             <a:r>
               <a:rPr lang="ko-KR" altLang="en-US" dirty="0" smtClean="0"/>
-              <a:t>을 입력해준다</a:t>
+              <a:t>을 실행하면 된다</a:t>
             </a:r>
             <a:r>
               <a:rPr lang="en-US" altLang="ko-KR" dirty="0" smtClean="0"/>
               <a:t>.</a:t>
             </a:r>
-          </a:p>
-          <a:p>
             <a:endParaRPr lang="ko-KR" altLang="en-US" dirty="0"/>
           </a:p>
         </p:txBody>
       </p:sp>
       <p:pic>
         <p:nvPicPr>
-          <p:cNvPr id="4" name="그림 3"/>
+          <p:cNvPr id="6" name="그림 5"/>
           <p:cNvPicPr>
             <a:picLocks noChangeAspect="1"/>
           </p:cNvPicPr>
@@ -4953,8 +4663,8 @@
         </p:blipFill>
         <p:spPr>
           <a:xfrm>
-            <a:off x="2279737" y="2302637"/>
-            <a:ext cx="8253282" cy="4316323"/>
+            <a:off x="2892828" y="2628675"/>
+            <a:ext cx="6157133" cy="3937859"/>
           </a:xfrm>
           <a:prstGeom prst="rect">
             <a:avLst/>
@@ -4964,7 +4674,7 @@
     </p:spTree>
     <p:extLst>
       <p:ext uri="{BB962C8B-B14F-4D97-AF65-F5344CB8AC3E}">
-        <p14:creationId xmlns:p14="http://schemas.microsoft.com/office/powerpoint/2010/main" val="3342673746"/>
+        <p14:creationId xmlns:p14="http://schemas.microsoft.com/office/powerpoint/2010/main" val="905552078"/>
       </p:ext>
     </p:extLst>
   </p:cSld>
@@ -5007,141 +4717,43 @@
           <a:lstStyle/>
           <a:p>
             <a:r>
+              <a:rPr lang="en-US" altLang="ko-KR" dirty="0" smtClean="0"/>
+              <a:t>Training	</a:t>
+            </a:r>
+            <a:endParaRPr lang="ko-KR" altLang="en-US" dirty="0"/>
+          </a:p>
+        </p:txBody>
+      </p:sp>
+      <p:sp>
+        <p:nvSpPr>
+          <p:cNvPr id="5" name="내용 개체 틀 4"/>
+          <p:cNvSpPr>
+            <a:spLocks noGrp="1"/>
+          </p:cNvSpPr>
+          <p:nvPr>
+            <p:ph idx="1"/>
+          </p:nvPr>
+        </p:nvSpPr>
+        <p:spPr/>
+        <p:txBody>
+          <a:bodyPr/>
+          <a:lstStyle/>
+          <a:p>
+            <a:r>
               <a:rPr lang="ko-KR" altLang="en-US" dirty="0" smtClean="0"/>
-              <a:t>프로젝트 </a:t>
-            </a:r>
-            <a:r>
-              <a:rPr lang="en-US" altLang="ko-KR" dirty="0"/>
-              <a:t>training</a:t>
-            </a:r>
-            <a:r>
-              <a:rPr lang="ko-KR" altLang="en-US" dirty="0" smtClean="0"/>
-              <a:t> </a:t>
-            </a:r>
-            <a:r>
-              <a:rPr lang="ko-KR" altLang="en-US" dirty="0"/>
-              <a:t>실행 </a:t>
-            </a:r>
-            <a:r>
-              <a:rPr lang="en-US" altLang="ko-KR" dirty="0" smtClean="0"/>
-              <a:t>(</a:t>
-            </a:r>
-            <a:r>
-              <a:rPr lang="en-US" altLang="ko-KR" dirty="0" err="1"/>
-              <a:t>c</a:t>
-            </a:r>
-            <a:r>
-              <a:rPr lang="en-US" altLang="ko-KR" dirty="0" err="1" smtClean="0"/>
-              <a:t>pu</a:t>
-            </a:r>
-            <a:r>
-              <a:rPr lang="en-US" altLang="ko-KR" dirty="0"/>
-              <a:t>) </a:t>
-            </a:r>
-            <a:r>
-              <a:rPr lang="en-US" altLang="ko-KR" dirty="0" smtClean="0"/>
-              <a:t>-1</a:t>
-            </a:r>
-            <a:endParaRPr lang="ko-KR" altLang="en-US" dirty="0"/>
-          </a:p>
-        </p:txBody>
-      </p:sp>
-      <p:sp>
-        <p:nvSpPr>
-          <p:cNvPr id="3" name="내용 개체 틀 2"/>
-          <p:cNvSpPr>
-            <a:spLocks noGrp="1"/>
-          </p:cNvSpPr>
-          <p:nvPr>
-            <p:ph idx="1"/>
-          </p:nvPr>
-        </p:nvSpPr>
-        <p:spPr>
-          <a:xfrm>
-            <a:off x="838200" y="1499948"/>
-            <a:ext cx="10515600" cy="4351338"/>
-          </a:xfrm>
-        </p:spPr>
-        <p:txBody>
-          <a:bodyPr/>
-          <a:lstStyle/>
-          <a:p>
-            <a:r>
-              <a:rPr lang="ko-KR" altLang="en-US" dirty="0" smtClean="0"/>
-              <a:t>지원되는 </a:t>
-            </a:r>
-            <a:r>
-              <a:rPr lang="en-US" altLang="ko-KR" dirty="0" err="1" smtClean="0"/>
-              <a:t>gpu</a:t>
-            </a:r>
-            <a:r>
-              <a:rPr lang="ko-KR" altLang="en-US" dirty="0" smtClean="0"/>
-              <a:t>가 없다면</a:t>
-            </a:r>
-            <a:endParaRPr lang="en-US" altLang="ko-KR" dirty="0" smtClean="0"/>
-          </a:p>
-          <a:p>
-            <a:r>
-              <a:rPr lang="ko-KR" altLang="en-US" dirty="0" smtClean="0"/>
-              <a:t>프로젝트 폴더를 </a:t>
-            </a:r>
-            <a:r>
-              <a:rPr lang="ko-KR" altLang="en-US" dirty="0" err="1" smtClean="0"/>
-              <a:t>연뒤</a:t>
-            </a:r>
-            <a:r>
-              <a:rPr lang="ko-KR" altLang="en-US" dirty="0" smtClean="0"/>
-              <a:t> </a:t>
-            </a:r>
-            <a:r>
-              <a:rPr lang="en-US" altLang="ko-KR" dirty="0" smtClean="0"/>
-              <a:t>, </a:t>
-            </a:r>
-            <a:r>
-              <a:rPr lang="ko-KR" altLang="en-US" dirty="0" smtClean="0"/>
-              <a:t>폴더의 주소를 복사</a:t>
+              <a:t>학습은 대략 아래와 같이 진행된다</a:t>
             </a:r>
             <a:r>
               <a:rPr lang="en-US" altLang="ko-KR" dirty="0" smtClean="0"/>
               <a:t>.</a:t>
             </a:r>
-          </a:p>
-          <a:p>
-            <a:r>
-              <a:rPr lang="en-US" altLang="ko-KR" dirty="0" smtClean="0"/>
-              <a:t>Anaconda prompt </a:t>
-            </a:r>
-            <a:r>
-              <a:rPr lang="ko-KR" altLang="en-US" dirty="0" smtClean="0"/>
-              <a:t>에 </a:t>
-            </a:r>
-            <a:r>
-              <a:rPr lang="en-US" altLang="ko-KR" dirty="0" smtClean="0"/>
-              <a:t>“cd </a:t>
-            </a:r>
-            <a:r>
-              <a:rPr lang="ko-KR" altLang="en-US" dirty="0" smtClean="0"/>
-              <a:t>폴더의 주소</a:t>
-            </a:r>
-            <a:r>
-              <a:rPr lang="en-US" altLang="ko-KR" dirty="0" smtClean="0"/>
-              <a:t>”</a:t>
-            </a:r>
-            <a:r>
-              <a:rPr lang="ko-KR" altLang="en-US" dirty="0" smtClean="0"/>
-              <a:t> 를 입력해준다</a:t>
-            </a:r>
-            <a:r>
-              <a:rPr lang="en-US" altLang="ko-KR" dirty="0" smtClean="0"/>
-              <a:t>.</a:t>
-            </a:r>
             <a:endParaRPr lang="ko-KR" altLang="en-US" dirty="0"/>
           </a:p>
         </p:txBody>
       </p:sp>
       <p:pic>
         <p:nvPicPr>
-          <p:cNvPr id="4" name="그림 3"/>
+          <p:cNvPr id="6" name="그림 5"/>
           <p:cNvPicPr>
             <a:picLocks noChangeAspect="1"/>
           </p:cNvPicPr>
@@ -5155,32 +4767,8 @@
         </p:blipFill>
         <p:spPr>
           <a:xfrm>
-            <a:off x="0" y="2904782"/>
-            <a:ext cx="5499970" cy="3953218"/>
-          </a:xfrm>
-          <a:prstGeom prst="rect">
-            <a:avLst/>
-          </a:prstGeom>
-        </p:spPr>
-      </p:pic>
-      <p:pic>
-        <p:nvPicPr>
-          <p:cNvPr id="5" name="그림 4"/>
-          <p:cNvPicPr>
-            <a:picLocks noChangeAspect="1"/>
-          </p:cNvPicPr>
-          <p:nvPr/>
-        </p:nvPicPr>
-        <p:blipFill>
-          <a:blip r:embed="rId3"/>
-          <a:stretch>
-            <a:fillRect/>
-          </a:stretch>
-        </p:blipFill>
-        <p:spPr>
-          <a:xfrm>
-            <a:off x="5499970" y="3237076"/>
-            <a:ext cx="6692030" cy="3492680"/>
+            <a:off x="25083" y="3319397"/>
+            <a:ext cx="12166917" cy="3447768"/>
           </a:xfrm>
           <a:prstGeom prst="rect">
             <a:avLst/>
@@ -5190,7 +4778,7 @@
     </p:spTree>
     <p:extLst>
       <p:ext uri="{BB962C8B-B14F-4D97-AF65-F5344CB8AC3E}">
-        <p14:creationId xmlns:p14="http://schemas.microsoft.com/office/powerpoint/2010/main" val="905552078"/>
+        <p14:creationId xmlns:p14="http://schemas.microsoft.com/office/powerpoint/2010/main" val="923099261"/>
       </p:ext>
     </p:extLst>
   </p:cSld>

--- a/객체탐지.pptx
+++ b/객체탐지.pptx
@@ -9,15 +9,14 @@
     <p:sldId id="257" r:id="rId3"/>
     <p:sldId id="258" r:id="rId4"/>
     <p:sldId id="259" r:id="rId5"/>
-    <p:sldId id="260" r:id="rId6"/>
-    <p:sldId id="261" r:id="rId7"/>
-    <p:sldId id="262" r:id="rId8"/>
-    <p:sldId id="264" r:id="rId9"/>
-    <p:sldId id="266" r:id="rId10"/>
-    <p:sldId id="267" r:id="rId11"/>
-    <p:sldId id="268" r:id="rId12"/>
-    <p:sldId id="269" r:id="rId13"/>
-    <p:sldId id="270" r:id="rId14"/>
+    <p:sldId id="261" r:id="rId6"/>
+    <p:sldId id="262" r:id="rId7"/>
+    <p:sldId id="264" r:id="rId8"/>
+    <p:sldId id="266" r:id="rId9"/>
+    <p:sldId id="267" r:id="rId10"/>
+    <p:sldId id="268" r:id="rId11"/>
+    <p:sldId id="269" r:id="rId12"/>
+    <p:sldId id="270" r:id="rId13"/>
   </p:sldIdLst>
   <p:sldSz cx="12192000" cy="6858000"/>
   <p:notesSz cx="6858000" cy="9144000"/>
@@ -3070,190 +3069,6 @@
           <a:p>
             <a:r>
               <a:rPr lang="en-US" altLang="ko-KR" dirty="0" smtClean="0"/>
-              <a:t>Predict-1</a:t>
-            </a:r>
-            <a:endParaRPr lang="ko-KR" altLang="en-US" dirty="0"/>
-          </a:p>
-        </p:txBody>
-      </p:sp>
-      <p:sp>
-        <p:nvSpPr>
-          <p:cNvPr id="3" name="내용 개체 틀 2"/>
-          <p:cNvSpPr>
-            <a:spLocks noGrp="1"/>
-          </p:cNvSpPr>
-          <p:nvPr>
-            <p:ph idx="1"/>
-          </p:nvPr>
-        </p:nvSpPr>
-        <p:spPr/>
-        <p:txBody>
-          <a:bodyPr/>
-          <a:lstStyle/>
-          <a:p>
-            <a:r>
-              <a:rPr lang="en-US" altLang="ko-KR" dirty="0" smtClean="0"/>
-              <a:t>30 epoch</a:t>
-            </a:r>
-            <a:r>
-              <a:rPr lang="ko-KR" altLang="en-US" dirty="0" smtClean="0"/>
-              <a:t>가 완료되면</a:t>
-            </a:r>
-            <a:r>
-              <a:rPr lang="en-US" altLang="ko-KR" dirty="0" smtClean="0"/>
-              <a:t>, finish </a:t>
-            </a:r>
-            <a:r>
-              <a:rPr lang="ko-KR" altLang="en-US" dirty="0" smtClean="0"/>
-              <a:t>라는 문구가 뜨는데</a:t>
-            </a:r>
-            <a:r>
-              <a:rPr lang="en-US" altLang="ko-KR" dirty="0" smtClean="0"/>
-              <a:t>, </a:t>
-            </a:r>
-            <a:r>
-              <a:rPr lang="ko-KR" altLang="en-US" dirty="0" smtClean="0"/>
-              <a:t>그렇다면</a:t>
-            </a:r>
-            <a:r>
-              <a:rPr lang="en-US" altLang="ko-KR" dirty="0"/>
-              <a:t> </a:t>
-            </a:r>
-            <a:r>
-              <a:rPr lang="ko-KR" altLang="en-US" dirty="0" smtClean="0"/>
-              <a:t>학습이 된</a:t>
-            </a:r>
-            <a:r>
-              <a:rPr lang="en-US" altLang="ko-KR" dirty="0" smtClean="0"/>
-              <a:t>, </a:t>
-            </a:r>
-            <a:r>
-              <a:rPr lang="ko-KR" altLang="en-US" dirty="0" smtClean="0"/>
-              <a:t>모델을 가지고 실제 이미지를 예측해 보아야 한다</a:t>
-            </a:r>
-            <a:r>
-              <a:rPr lang="en-US" altLang="ko-KR" dirty="0" smtClean="0"/>
-              <a:t>.</a:t>
-            </a:r>
-          </a:p>
-          <a:p>
-            <a:r>
-              <a:rPr lang="ko-KR" altLang="en-US" dirty="0" smtClean="0"/>
-              <a:t>학습이 완료되었다면</a:t>
-            </a:r>
-            <a:r>
-              <a:rPr lang="en-US" altLang="ko-KR" dirty="0" smtClean="0"/>
-              <a:t>, object-detection-master </a:t>
-            </a:r>
-            <a:r>
-              <a:rPr lang="ko-KR" altLang="en-US" dirty="0" smtClean="0"/>
-              <a:t>폴더 밑에 </a:t>
-            </a:r>
-            <a:r>
-              <a:rPr lang="en-US" altLang="ko-KR" dirty="0" smtClean="0"/>
-              <a:t>log </a:t>
-            </a:r>
-            <a:r>
-              <a:rPr lang="ko-KR" altLang="en-US" dirty="0" smtClean="0"/>
-              <a:t>폴더가 생성되는데</a:t>
-            </a:r>
-            <a:r>
-              <a:rPr lang="en-US" altLang="ko-KR" dirty="0" smtClean="0"/>
-              <a:t>, </a:t>
-            </a:r>
-            <a:r>
-              <a:rPr lang="ko-KR" altLang="en-US" dirty="0" smtClean="0"/>
-              <a:t>이 </a:t>
-            </a:r>
-            <a:r>
-              <a:rPr lang="en-US" altLang="ko-KR" dirty="0" smtClean="0"/>
-              <a:t>log</a:t>
-            </a:r>
-            <a:r>
-              <a:rPr lang="ko-KR" altLang="en-US" dirty="0" smtClean="0"/>
-              <a:t>의 밑 폴더의 이름을 복사한다</a:t>
-            </a:r>
-            <a:r>
-              <a:rPr lang="en-US" altLang="ko-KR" dirty="0" smtClean="0"/>
-              <a:t>.</a:t>
-            </a:r>
-          </a:p>
-          <a:p>
-            <a:endParaRPr lang="en-US" altLang="ko-KR" dirty="0" smtClean="0"/>
-          </a:p>
-        </p:txBody>
-      </p:sp>
-      <p:pic>
-        <p:nvPicPr>
-          <p:cNvPr id="6" name="그림 5"/>
-          <p:cNvPicPr>
-            <a:picLocks noChangeAspect="1"/>
-          </p:cNvPicPr>
-          <p:nvPr/>
-        </p:nvPicPr>
-        <p:blipFill>
-          <a:blip r:embed="rId2"/>
-          <a:stretch>
-            <a:fillRect/>
-          </a:stretch>
-        </p:blipFill>
-        <p:spPr>
-          <a:xfrm>
-            <a:off x="2904565" y="3654590"/>
-            <a:ext cx="6602393" cy="3119870"/>
-          </a:xfrm>
-          <a:prstGeom prst="rect">
-            <a:avLst/>
-          </a:prstGeom>
-        </p:spPr>
-      </p:pic>
-    </p:spTree>
-    <p:extLst>
-      <p:ext uri="{BB962C8B-B14F-4D97-AF65-F5344CB8AC3E}">
-        <p14:creationId xmlns:p14="http://schemas.microsoft.com/office/powerpoint/2010/main" val="1993789036"/>
-      </p:ext>
-    </p:extLst>
-  </p:cSld>
-  <p:clrMapOvr>
-    <a:masterClrMapping/>
-  </p:clrMapOvr>
-</p:sld>
-</file>
-
-<file path=ppt/slides/slide11.xml><?xml version="1.0" encoding="utf-8"?>
-<p:sld xmlns:a="http://schemas.openxmlformats.org/drawingml/2006/main" xmlns:r="http://schemas.openxmlformats.org/officeDocument/2006/relationships" xmlns:p="http://schemas.openxmlformats.org/presentationml/2006/main">
-  <p:cSld>
-    <p:spTree>
-      <p:nvGrpSpPr>
-        <p:cNvPr id="1" name=""/>
-        <p:cNvGrpSpPr/>
-        <p:nvPr/>
-      </p:nvGrpSpPr>
-      <p:grpSpPr>
-        <a:xfrm>
-          <a:off x="0" y="0"/>
-          <a:ext cx="0" cy="0"/>
-          <a:chOff x="0" y="0"/>
-          <a:chExt cx="0" cy="0"/>
-        </a:xfrm>
-      </p:grpSpPr>
-      <p:sp>
-        <p:nvSpPr>
-          <p:cNvPr id="2" name="제목 1"/>
-          <p:cNvSpPr>
-            <a:spLocks noGrp="1"/>
-          </p:cNvSpPr>
-          <p:nvPr>
-            <p:ph type="title"/>
-          </p:nvPr>
-        </p:nvSpPr>
-        <p:spPr/>
-        <p:txBody>
-          <a:bodyPr/>
-          <a:lstStyle/>
-          <a:p>
-            <a:r>
-              <a:rPr lang="en-US" altLang="ko-KR" dirty="0" smtClean="0"/>
               <a:t>Predict-2</a:t>
             </a:r>
             <a:endParaRPr lang="ko-KR" altLang="en-US" dirty="0"/>
@@ -3370,7 +3185,7 @@
 </p:sld>
 </file>
 
-<file path=ppt/slides/slide12.xml><?xml version="1.0" encoding="utf-8"?>
+<file path=ppt/slides/slide11.xml><?xml version="1.0" encoding="utf-8"?>
 <p:sld xmlns:a="http://schemas.openxmlformats.org/drawingml/2006/main" xmlns:r="http://schemas.openxmlformats.org/officeDocument/2006/relationships" xmlns:p="http://schemas.openxmlformats.org/presentationml/2006/main">
   <p:cSld>
     <p:spTree>
@@ -3504,7 +3319,7 @@
 </p:sld>
 </file>
 
-<file path=ppt/slides/slide13.xml><?xml version="1.0" encoding="utf-8"?>
+<file path=ppt/slides/slide12.xml><?xml version="1.0" encoding="utf-8"?>
 <p:sld xmlns:a="http://schemas.openxmlformats.org/drawingml/2006/main" xmlns:r="http://schemas.openxmlformats.org/officeDocument/2006/relationships" xmlns:p="http://schemas.openxmlformats.org/presentationml/2006/main">
   <p:cSld>
     <p:spTree>
@@ -4065,106 +3880,6 @@
           <a:p>
             <a:r>
               <a:rPr lang="ko-KR" altLang="en-US" dirty="0" smtClean="0"/>
-              <a:t>가중치 파일 다운로드</a:t>
-            </a:r>
-            <a:endParaRPr lang="ko-KR" altLang="en-US" dirty="0"/>
-          </a:p>
-        </p:txBody>
-      </p:sp>
-      <p:sp>
-        <p:nvSpPr>
-          <p:cNvPr id="3" name="내용 개체 틀 2"/>
-          <p:cNvSpPr>
-            <a:spLocks noGrp="1"/>
-          </p:cNvSpPr>
-          <p:nvPr>
-            <p:ph idx="1"/>
-          </p:nvPr>
-        </p:nvSpPr>
-        <p:spPr/>
-        <p:txBody>
-          <a:bodyPr/>
-          <a:lstStyle/>
-          <a:p>
-            <a:r>
-              <a:rPr lang="en-US" altLang="ko-KR" dirty="0" smtClean="0">
-                <a:hlinkClick r:id="rId2"/>
-              </a:rPr>
-              <a:t>https://github.com/matterport/Mask_RCNN/releases/download/v2.0/mask_rcnn_coco.h5</a:t>
-            </a:r>
-            <a:endParaRPr lang="en-US" altLang="ko-KR" dirty="0" smtClean="0"/>
-          </a:p>
-          <a:p>
-            <a:endParaRPr lang="en-US" altLang="ko-KR" dirty="0"/>
-          </a:p>
-          <a:p>
-            <a:r>
-              <a:rPr lang="ko-KR" altLang="en-US" dirty="0" smtClean="0"/>
-              <a:t>위의 링크의 파일을 다운로드 하여 슬라이드</a:t>
-            </a:r>
-            <a:r>
-              <a:rPr lang="en-US" altLang="ko-KR" dirty="0" smtClean="0"/>
-              <a:t>4</a:t>
-            </a:r>
-            <a:r>
-              <a:rPr lang="ko-KR" altLang="en-US" dirty="0" smtClean="0"/>
-              <a:t>의 프로젝트 폴더 안에 넣어준다</a:t>
-            </a:r>
-            <a:r>
-              <a:rPr lang="en-US" altLang="ko-KR" dirty="0" smtClean="0"/>
-              <a:t>.</a:t>
-            </a:r>
-            <a:endParaRPr lang="ko-KR" altLang="en-US" dirty="0"/>
-          </a:p>
-        </p:txBody>
-      </p:sp>
-    </p:spTree>
-    <p:extLst>
-      <p:ext uri="{BB962C8B-B14F-4D97-AF65-F5344CB8AC3E}">
-        <p14:creationId xmlns:p14="http://schemas.microsoft.com/office/powerpoint/2010/main" val="1254756081"/>
-      </p:ext>
-    </p:extLst>
-  </p:cSld>
-  <p:clrMapOvr>
-    <a:masterClrMapping/>
-  </p:clrMapOvr>
-</p:sld>
-</file>
-
-<file path=ppt/slides/slide6.xml><?xml version="1.0" encoding="utf-8"?>
-<p:sld xmlns:a="http://schemas.openxmlformats.org/drawingml/2006/main" xmlns:r="http://schemas.openxmlformats.org/officeDocument/2006/relationships" xmlns:p="http://schemas.openxmlformats.org/presentationml/2006/main">
-  <p:cSld>
-    <p:spTree>
-      <p:nvGrpSpPr>
-        <p:cNvPr id="1" name=""/>
-        <p:cNvGrpSpPr/>
-        <p:nvPr/>
-      </p:nvGrpSpPr>
-      <p:grpSpPr>
-        <a:xfrm>
-          <a:off x="0" y="0"/>
-          <a:ext cx="0" cy="0"/>
-          <a:chOff x="0" y="0"/>
-          <a:chExt cx="0" cy="0"/>
-        </a:xfrm>
-      </p:grpSpPr>
-      <p:sp>
-        <p:nvSpPr>
-          <p:cNvPr id="2" name="제목 1"/>
-          <p:cNvSpPr>
-            <a:spLocks noGrp="1"/>
-          </p:cNvSpPr>
-          <p:nvPr>
-            <p:ph type="title"/>
-          </p:nvPr>
-        </p:nvSpPr>
-        <p:spPr/>
-        <p:txBody>
-          <a:bodyPr/>
-          <a:lstStyle/>
-          <a:p>
-            <a:r>
-              <a:rPr lang="ko-KR" altLang="en-US" dirty="0" smtClean="0"/>
               <a:t>프로젝트 </a:t>
             </a:r>
             <a:r>
@@ -4279,13 +3994,41 @@
             </a:r>
           </a:p>
           <a:p>
+            <a:r>
+              <a:rPr lang="ko-KR" altLang="en-US" dirty="0" smtClean="0"/>
+              <a:t>시작</a:t>
+            </a:r>
+            <a:r>
+              <a:rPr lang="en-US" altLang="ko-KR" dirty="0"/>
+              <a:t> </a:t>
+            </a:r>
+            <a:r>
+              <a:rPr lang="ko-KR" altLang="en-US" dirty="0" smtClean="0"/>
+              <a:t>에서 </a:t>
+            </a:r>
+            <a:r>
+              <a:rPr lang="ko-KR" altLang="en-US" dirty="0" err="1" smtClean="0"/>
+              <a:t>우클릭</a:t>
+            </a:r>
+            <a:r>
+              <a:rPr lang="ko-KR" altLang="en-US" dirty="0" smtClean="0"/>
+              <a:t> </a:t>
+            </a:r>
+            <a:r>
+              <a:rPr lang="en-US" altLang="ko-KR" dirty="0" smtClean="0"/>
+              <a:t>– </a:t>
+            </a:r>
+            <a:r>
+              <a:rPr lang="ko-KR" altLang="en-US" smtClean="0"/>
+              <a:t>장치 관리자</a:t>
+            </a:r>
             <a:endParaRPr lang="ko-KR" altLang="en-US" dirty="0"/>
           </a:p>
         </p:txBody>
       </p:sp>
       <p:pic>
         <p:nvPicPr>
-          <p:cNvPr id="4" name="그림 3"/>
+          <p:cNvPr id="5" name="그림 4"/>
           <p:cNvPicPr>
             <a:picLocks noChangeAspect="1"/>
           </p:cNvPicPr>
@@ -4299,8 +4042,8 @@
         </p:blipFill>
         <p:spPr>
           <a:xfrm>
-            <a:off x="6400798" y="2999852"/>
-            <a:ext cx="5265107" cy="3858147"/>
+            <a:off x="6492659" y="2923649"/>
+            <a:ext cx="5699341" cy="3870284"/>
           </a:xfrm>
           <a:prstGeom prst="rect">
             <a:avLst/>
@@ -4309,7 +4052,7 @@
       </p:pic>
       <p:pic>
         <p:nvPicPr>
-          <p:cNvPr id="5" name="그림 4"/>
+          <p:cNvPr id="6" name="그림 5"/>
           <p:cNvPicPr>
             <a:picLocks noChangeAspect="1"/>
           </p:cNvPicPr>
@@ -4323,8 +4066,8 @@
         </p:blipFill>
         <p:spPr>
           <a:xfrm>
-            <a:off x="526095" y="2987715"/>
-            <a:ext cx="5699341" cy="3870284"/>
+            <a:off x="0" y="3757072"/>
+            <a:ext cx="5484852" cy="3100928"/>
           </a:xfrm>
           <a:prstGeom prst="rect">
             <a:avLst/>
@@ -4344,7 +4087,7 @@
 </p:sld>
 </file>
 
-<file path=ppt/slides/slide7.xml><?xml version="1.0" encoding="utf-8"?>
+<file path=ppt/slides/slide6.xml><?xml version="1.0" encoding="utf-8"?>
 <p:sld xmlns:a="http://schemas.openxmlformats.org/drawingml/2006/main" xmlns:r="http://schemas.openxmlformats.org/officeDocument/2006/relationships" xmlns:p="http://schemas.openxmlformats.org/presentationml/2006/main">
   <p:cSld>
     <p:spTree>
@@ -4512,7 +4255,7 @@
 </p:sld>
 </file>
 
-<file path=ppt/slides/slide8.xml><?xml version="1.0" encoding="utf-8"?>
+<file path=ppt/slides/slide7.xml><?xml version="1.0" encoding="utf-8"?>
 <p:sld xmlns:a="http://schemas.openxmlformats.org/drawingml/2006/main" xmlns:r="http://schemas.openxmlformats.org/officeDocument/2006/relationships" xmlns:p="http://schemas.openxmlformats.org/presentationml/2006/main">
   <p:cSld>
     <p:spTree>
@@ -4629,11 +4372,7 @@
             </a:r>
             <a:r>
               <a:rPr lang="en-US" altLang="ko-KR" dirty="0" smtClean="0"/>
-              <a:t>, </a:t>
-            </a:r>
-            <a:r>
-              <a:rPr lang="en-US" altLang="ko-KR" dirty="0" smtClean="0"/>
-              <a:t>exec_for_cpu.bat</a:t>
+              <a:t>, exec_for_cpu.bat</a:t>
             </a:r>
             <a:r>
               <a:rPr lang="ko-KR" altLang="en-US" dirty="0" smtClean="0"/>
@@ -4684,7 +4423,7 @@
 </p:sld>
 </file>
 
-<file path=ppt/slides/slide9.xml><?xml version="1.0" encoding="utf-8"?>
+<file path=ppt/slides/slide8.xml><?xml version="1.0" encoding="utf-8"?>
 <p:sld xmlns:a="http://schemas.openxmlformats.org/drawingml/2006/main" xmlns:r="http://schemas.openxmlformats.org/officeDocument/2006/relationships" xmlns:p="http://schemas.openxmlformats.org/presentationml/2006/main">
   <p:cSld>
     <p:spTree>
@@ -4779,6 +4518,190 @@
     <p:extLst>
       <p:ext uri="{BB962C8B-B14F-4D97-AF65-F5344CB8AC3E}">
         <p14:creationId xmlns:p14="http://schemas.microsoft.com/office/powerpoint/2010/main" val="923099261"/>
+      </p:ext>
+    </p:extLst>
+  </p:cSld>
+  <p:clrMapOvr>
+    <a:masterClrMapping/>
+  </p:clrMapOvr>
+</p:sld>
+</file>
+
+<file path=ppt/slides/slide9.xml><?xml version="1.0" encoding="utf-8"?>
+<p:sld xmlns:a="http://schemas.openxmlformats.org/drawingml/2006/main" xmlns:r="http://schemas.openxmlformats.org/officeDocument/2006/relationships" xmlns:p="http://schemas.openxmlformats.org/presentationml/2006/main">
+  <p:cSld>
+    <p:spTree>
+      <p:nvGrpSpPr>
+        <p:cNvPr id="1" name=""/>
+        <p:cNvGrpSpPr/>
+        <p:nvPr/>
+      </p:nvGrpSpPr>
+      <p:grpSpPr>
+        <a:xfrm>
+          <a:off x="0" y="0"/>
+          <a:ext cx="0" cy="0"/>
+          <a:chOff x="0" y="0"/>
+          <a:chExt cx="0" cy="0"/>
+        </a:xfrm>
+      </p:grpSpPr>
+      <p:sp>
+        <p:nvSpPr>
+          <p:cNvPr id="2" name="제목 1"/>
+          <p:cNvSpPr>
+            <a:spLocks noGrp="1"/>
+          </p:cNvSpPr>
+          <p:nvPr>
+            <p:ph type="title"/>
+          </p:nvPr>
+        </p:nvSpPr>
+        <p:spPr/>
+        <p:txBody>
+          <a:bodyPr/>
+          <a:lstStyle/>
+          <a:p>
+            <a:r>
+              <a:rPr lang="en-US" altLang="ko-KR" dirty="0" smtClean="0"/>
+              <a:t>Predict-1</a:t>
+            </a:r>
+            <a:endParaRPr lang="ko-KR" altLang="en-US" dirty="0"/>
+          </a:p>
+        </p:txBody>
+      </p:sp>
+      <p:sp>
+        <p:nvSpPr>
+          <p:cNvPr id="3" name="내용 개체 틀 2"/>
+          <p:cNvSpPr>
+            <a:spLocks noGrp="1"/>
+          </p:cNvSpPr>
+          <p:nvPr>
+            <p:ph idx="1"/>
+          </p:nvPr>
+        </p:nvSpPr>
+        <p:spPr/>
+        <p:txBody>
+          <a:bodyPr/>
+          <a:lstStyle/>
+          <a:p>
+            <a:r>
+              <a:rPr lang="en-US" altLang="ko-KR" dirty="0" smtClean="0"/>
+              <a:t>30 epoch</a:t>
+            </a:r>
+            <a:r>
+              <a:rPr lang="ko-KR" altLang="en-US" dirty="0" smtClean="0"/>
+              <a:t>가 완료되면</a:t>
+            </a:r>
+            <a:r>
+              <a:rPr lang="en-US" altLang="ko-KR" dirty="0" smtClean="0"/>
+              <a:t>, finish </a:t>
+            </a:r>
+            <a:r>
+              <a:rPr lang="ko-KR" altLang="en-US" dirty="0" smtClean="0"/>
+              <a:t>라는 문구가 뜨는데</a:t>
+            </a:r>
+            <a:r>
+              <a:rPr lang="en-US" altLang="ko-KR" dirty="0" smtClean="0"/>
+              <a:t>, </a:t>
+            </a:r>
+            <a:r>
+              <a:rPr lang="ko-KR" altLang="en-US" dirty="0" smtClean="0"/>
+              <a:t>그렇다면</a:t>
+            </a:r>
+            <a:r>
+              <a:rPr lang="en-US" altLang="ko-KR" dirty="0"/>
+              <a:t> </a:t>
+            </a:r>
+            <a:r>
+              <a:rPr lang="ko-KR" altLang="en-US" dirty="0" smtClean="0"/>
+              <a:t>학습이 된</a:t>
+            </a:r>
+            <a:r>
+              <a:rPr lang="en-US" altLang="ko-KR" dirty="0" smtClean="0"/>
+              <a:t>, </a:t>
+            </a:r>
+            <a:r>
+              <a:rPr lang="ko-KR" altLang="en-US" dirty="0" smtClean="0"/>
+              <a:t>모델을 가지고 실제 이미지를 예측해 보아야 한다</a:t>
+            </a:r>
+            <a:r>
+              <a:rPr lang="en-US" altLang="ko-KR" dirty="0" smtClean="0"/>
+              <a:t>.</a:t>
+            </a:r>
+          </a:p>
+          <a:p>
+            <a:r>
+              <a:rPr lang="ko-KR" altLang="en-US" dirty="0" smtClean="0"/>
+              <a:t>학습이 완료되었다면</a:t>
+            </a:r>
+            <a:r>
+              <a:rPr lang="en-US" altLang="ko-KR" dirty="0" smtClean="0"/>
+              <a:t>, object-detection-master </a:t>
+            </a:r>
+            <a:r>
+              <a:rPr lang="ko-KR" altLang="en-US" dirty="0" smtClean="0"/>
+              <a:t>폴더 밑에 </a:t>
+            </a:r>
+            <a:r>
+              <a:rPr lang="en-US" altLang="ko-KR" dirty="0" smtClean="0"/>
+              <a:t>log </a:t>
+            </a:r>
+            <a:r>
+              <a:rPr lang="ko-KR" altLang="en-US" dirty="0" smtClean="0"/>
+              <a:t>폴더가 생성되는데</a:t>
+            </a:r>
+            <a:r>
+              <a:rPr lang="en-US" altLang="ko-KR" dirty="0" smtClean="0"/>
+              <a:t>, </a:t>
+            </a:r>
+            <a:r>
+              <a:rPr lang="ko-KR" altLang="en-US" dirty="0" smtClean="0"/>
+              <a:t>이 </a:t>
+            </a:r>
+            <a:r>
+              <a:rPr lang="en-US" altLang="ko-KR" dirty="0" smtClean="0"/>
+              <a:t>log</a:t>
+            </a:r>
+            <a:r>
+              <a:rPr lang="ko-KR" altLang="en-US" dirty="0" smtClean="0"/>
+              <a:t>의 밑 폴더의 이름을 복사한다</a:t>
+            </a:r>
+            <a:r>
+              <a:rPr lang="en-US" altLang="ko-KR" dirty="0" smtClean="0"/>
+              <a:t>.</a:t>
+            </a:r>
+          </a:p>
+          <a:p>
+            <a:endParaRPr lang="en-US" altLang="ko-KR" dirty="0" smtClean="0"/>
+          </a:p>
+        </p:txBody>
+      </p:sp>
+      <p:pic>
+        <p:nvPicPr>
+          <p:cNvPr id="6" name="그림 5"/>
+          <p:cNvPicPr>
+            <a:picLocks noChangeAspect="1"/>
+          </p:cNvPicPr>
+          <p:nvPr/>
+        </p:nvPicPr>
+        <p:blipFill>
+          <a:blip r:embed="rId2"/>
+          <a:stretch>
+            <a:fillRect/>
+          </a:stretch>
+        </p:blipFill>
+        <p:spPr>
+          <a:xfrm>
+            <a:off x="2904565" y="3654590"/>
+            <a:ext cx="6602393" cy="3119870"/>
+          </a:xfrm>
+          <a:prstGeom prst="rect">
+            <a:avLst/>
+          </a:prstGeom>
+        </p:spPr>
+      </p:pic>
+    </p:spTree>
+    <p:extLst>
+      <p:ext uri="{BB962C8B-B14F-4D97-AF65-F5344CB8AC3E}">
+        <p14:creationId xmlns:p14="http://schemas.microsoft.com/office/powerpoint/2010/main" val="1993789036"/>
       </p:ext>
     </p:extLst>
   </p:cSld>
